--- a/Presentation/Build-and-deploy-ASPNET/Build-and-deploy-ASPNET.pptx
+++ b/Presentation/Build-and-deploy-ASPNET/Build-and-deploy-ASPNET.pptx
@@ -6585,7 +6585,41 @@
                 </a:gradFill>
                 <a:cs typeface="Segoe UI" pitchFamily="34" charset="0"/>
               </a:rPr>
-              <a:t>© 2012 Microsoft Corporation. All rights reserved. Microsoft, Windows, Windows Vista and other product names are or may be registered trademarks and/or trademarks in the U.S. and/or other countries.</a:t>
+              <a:t>© 2012 Microsoft Corporation. All rights reserved. Microsoft, </a:t>
+            </a:r>
+            <a:r>
+              <a:rPr lang="en-US" sz="686" dirty="0" smtClean="0">
+                <a:gradFill>
+                  <a:gsLst>
+                    <a:gs pos="0">
+                      <a:srgbClr val="FFFFFF"/>
+                    </a:gs>
+                    <a:gs pos="100000">
+                      <a:srgbClr val="FFFFFF"/>
+                    </a:gs>
+                  </a:gsLst>
+                  <a:lin ang="5400000" scaled="0"/>
+                </a:gradFill>
+                <a:cs typeface="Segoe UI" pitchFamily="34" charset="0"/>
+              </a:rPr>
+              <a:t>Microsoft, Microsoft </a:t>
+            </a:r>
+            <a:r>
+              <a:rPr lang="en-US" sz="686" dirty="0">
+                <a:gradFill>
+                  <a:gsLst>
+                    <a:gs pos="0">
+                      <a:srgbClr val="FFFFFF"/>
+                    </a:gs>
+                    <a:gs pos="100000">
+                      <a:srgbClr val="FFFFFF"/>
+                    </a:gs>
+                  </a:gsLst>
+                  <a:lin ang="5400000" scaled="0"/>
+                </a:gradFill>
+                <a:cs typeface="Segoe UI" pitchFamily="34" charset="0"/>
+              </a:rPr>
+              <a:t>Vista and other product names are or may be registered trademarks and/or trademarks in the U.S. and/or other countries.</a:t>
             </a:r>
           </a:p>
           <a:p>

--- a/Presentation/Build-and-deploy-ASPNET/Build-and-deploy-ASPNET.pptx
+++ b/Presentation/Build-and-deploy-ASPNET/Build-and-deploy-ASPNET.pptx
@@ -214,7 +214,7 @@
           <a:p>
             <a:fld id="{0E990FE3-7537-4D15-A9F5-FDF1805FD5F8}" type="datetimeFigureOut">
               <a:rPr lang="en-US" smtClean="0"/>
-              <a:t>10/3/2014</a:t>
+              <a:t>6/5/2015</a:t>
             </a:fld>
             <a:endParaRPr lang="en-US"/>
           </a:p>
@@ -18085,15 +18085,11 @@
           <a:p>
             <a:r>
               <a:rPr lang="en-US" dirty="0" smtClean="0"/>
-              <a:t>Deploying to </a:t>
+              <a:t>Deploying to Microsoft Azure Web </a:t>
             </a:r>
             <a:r>
               <a:rPr lang="en-US" dirty="0" smtClean="0"/>
-              <a:t>Microsoft </a:t>
-            </a:r>
-            <a:r>
-              <a:rPr lang="en-US" dirty="0" smtClean="0"/>
-              <a:t>Azure Web Sites</a:t>
+              <a:t>Apps</a:t>
             </a:r>
             <a:endParaRPr lang="en-US" dirty="0"/>
           </a:p>
@@ -19125,19 +19121,7 @@
               <a:rPr lang="en-US" sz="5400" dirty="0" smtClean="0">
                 <a:latin typeface="+mj-lt"/>
               </a:rPr>
-              <a:t>Deploying to </a:t>
-            </a:r>
-            <a:r>
-              <a:rPr lang="en-US" sz="5400" dirty="0" smtClean="0">
-                <a:latin typeface="+mj-lt"/>
-              </a:rPr>
-              <a:t>Microsoft </a:t>
-            </a:r>
-            <a:r>
-              <a:rPr lang="en-US" sz="5400" dirty="0" smtClean="0">
-                <a:latin typeface="+mj-lt"/>
-              </a:rPr>
-              <a:t>Azure</a:t>
+              <a:t>Deploying to Microsoft Azure</a:t>
             </a:r>
             <a:endParaRPr lang="en-US" sz="5400" dirty="0">
               <a:latin typeface="+mj-lt"/>
@@ -21887,15 +21871,7 @@
             </a:pPr>
             <a:r>
               <a:rPr lang="en-US" dirty="0" smtClean="0"/>
-              <a:t>Deploying to </a:t>
-            </a:r>
-            <a:r>
-              <a:rPr lang="en-US" dirty="0" smtClean="0"/>
-              <a:t>Microsoft </a:t>
-            </a:r>
-            <a:r>
-              <a:rPr lang="en-US" dirty="0" smtClean="0"/>
-              <a:t>Azure</a:t>
+              <a:t>Deploying to Microsoft Azure</a:t>
             </a:r>
             <a:endParaRPr lang="en-US" dirty="0"/>
           </a:p>

--- a/Presentation/Build-and-deploy-ASPNET/Build-and-deploy-ASPNET.pptx
+++ b/Presentation/Build-and-deploy-ASPNET/Build-and-deploy-ASPNET.pptx
@@ -15,7 +15,7 @@
   </p:notesMasterIdLst>
   <p:sldIdLst>
     <p:sldId id="257" r:id="rId8"/>
-    <p:sldId id="269" r:id="rId9"/>
+    <p:sldId id="280" r:id="rId9"/>
     <p:sldId id="259" r:id="rId10"/>
     <p:sldId id="256" r:id="rId11"/>
     <p:sldId id="270" r:id="rId12"/>
@@ -214,7 +214,7 @@
           <a:p>
             <a:fld id="{0E990FE3-7537-4D15-A9F5-FDF1805FD5F8}" type="datetimeFigureOut">
               <a:rPr lang="en-US" smtClean="0"/>
-              <a:t>6/5/2015</a:t>
+              <a:t>10/12/2015</a:t>
             </a:fld>
             <a:endParaRPr lang="en-US"/>
           </a:p>
@@ -1023,10 +1023,34 @@
                 <a:tableStyleId>{5C22544A-7EE6-4342-B048-85BDC9FD1C3A}</a:tableStyleId>
               </a:tblPr>
               <a:tblGrid>
-                <a:gridCol w="2764105"/>
-                <a:gridCol w="2764105"/>
-                <a:gridCol w="2764105"/>
-                <a:gridCol w="2764105"/>
+                <a:gridCol w="2764105">
+                  <a:extLst>
+                    <a:ext uri="{9D8B030D-6E8A-4147-A177-3AD203B41FA5}">
+                      <a16:colId xmlns:a16="http://schemas.microsoft.com/office/drawing/2014/main" val="20000"/>
+                    </a:ext>
+                  </a:extLst>
+                </a:gridCol>
+                <a:gridCol w="2764105">
+                  <a:extLst>
+                    <a:ext uri="{9D8B030D-6E8A-4147-A177-3AD203B41FA5}">
+                      <a16:colId xmlns:a16="http://schemas.microsoft.com/office/drawing/2014/main" val="20001"/>
+                    </a:ext>
+                  </a:extLst>
+                </a:gridCol>
+                <a:gridCol w="2764105">
+                  <a:extLst>
+                    <a:ext uri="{9D8B030D-6E8A-4147-A177-3AD203B41FA5}">
+                      <a16:colId xmlns:a16="http://schemas.microsoft.com/office/drawing/2014/main" val="20002"/>
+                    </a:ext>
+                  </a:extLst>
+                </a:gridCol>
+                <a:gridCol w="2764105">
+                  <a:extLst>
+                    <a:ext uri="{9D8B030D-6E8A-4147-A177-3AD203B41FA5}">
+                      <a16:colId xmlns:a16="http://schemas.microsoft.com/office/drawing/2014/main" val="20003"/>
+                    </a:ext>
+                  </a:extLst>
+                </a:gridCol>
               </a:tblGrid>
               <a:tr h="644435">
                 <a:tc>
@@ -1201,6 +1225,11 @@
                     </a:lnBlToTr>
                   </a:tcPr>
                 </a:tc>
+                <a:extLst>
+                  <a:ext uri="{0D108BD9-81ED-4DB2-BD59-A6C34878D82A}">
+                    <a16:rowId xmlns:a16="http://schemas.microsoft.com/office/drawing/2014/main" val="10000"/>
+                  </a:ext>
+                </a:extLst>
               </a:tr>
               <a:tr h="1225319">
                 <a:tc>
@@ -1432,6 +1461,11 @@
                     </a:lnBlToTr>
                   </a:tcPr>
                 </a:tc>
+                <a:extLst>
+                  <a:ext uri="{0D108BD9-81ED-4DB2-BD59-A6C34878D82A}">
+                    <a16:rowId xmlns:a16="http://schemas.microsoft.com/office/drawing/2014/main" val="10001"/>
+                  </a:ext>
+                </a:extLst>
               </a:tr>
               <a:tr h="1225319">
                 <a:tc>
@@ -1682,6 +1716,11 @@
                     </a:lnBlToTr>
                   </a:tcPr>
                 </a:tc>
+                <a:extLst>
+                  <a:ext uri="{0D108BD9-81ED-4DB2-BD59-A6C34878D82A}">
+                    <a16:rowId xmlns:a16="http://schemas.microsoft.com/office/drawing/2014/main" val="10002"/>
+                  </a:ext>
+                </a:extLst>
               </a:tr>
               <a:tr h="1225319">
                 <a:tc>
@@ -1932,6 +1971,11 @@
                     </a:lnBlToTr>
                   </a:tcPr>
                 </a:tc>
+                <a:extLst>
+                  <a:ext uri="{0D108BD9-81ED-4DB2-BD59-A6C34878D82A}">
+                    <a16:rowId xmlns:a16="http://schemas.microsoft.com/office/drawing/2014/main" val="10003"/>
+                  </a:ext>
+                </a:extLst>
               </a:tr>
             </a:tbl>
           </a:graphicData>
@@ -3015,10 +3059,34 @@
                 <a:tableStyleId>{93296810-A885-4BE3-A3E7-6D5BEEA58F35}</a:tableStyleId>
               </a:tblPr>
               <a:tblGrid>
-                <a:gridCol w="2764105"/>
-                <a:gridCol w="2764105"/>
-                <a:gridCol w="2764105"/>
-                <a:gridCol w="2764105"/>
+                <a:gridCol w="2764105">
+                  <a:extLst>
+                    <a:ext uri="{9D8B030D-6E8A-4147-A177-3AD203B41FA5}">
+                      <a16:colId xmlns:a16="http://schemas.microsoft.com/office/drawing/2014/main" val="20000"/>
+                    </a:ext>
+                  </a:extLst>
+                </a:gridCol>
+                <a:gridCol w="2764105">
+                  <a:extLst>
+                    <a:ext uri="{9D8B030D-6E8A-4147-A177-3AD203B41FA5}">
+                      <a16:colId xmlns:a16="http://schemas.microsoft.com/office/drawing/2014/main" val="20001"/>
+                    </a:ext>
+                  </a:extLst>
+                </a:gridCol>
+                <a:gridCol w="2764105">
+                  <a:extLst>
+                    <a:ext uri="{9D8B030D-6E8A-4147-A177-3AD203B41FA5}">
+                      <a16:colId xmlns:a16="http://schemas.microsoft.com/office/drawing/2014/main" val="20002"/>
+                    </a:ext>
+                  </a:extLst>
+                </a:gridCol>
+                <a:gridCol w="2764105">
+                  <a:extLst>
+                    <a:ext uri="{9D8B030D-6E8A-4147-A177-3AD203B41FA5}">
+                      <a16:colId xmlns:a16="http://schemas.microsoft.com/office/drawing/2014/main" val="20003"/>
+                    </a:ext>
+                  </a:extLst>
+                </a:gridCol>
               </a:tblGrid>
               <a:tr h="644435">
                 <a:tc>
@@ -3177,6 +3245,11 @@
                     </a:lnBlToTr>
                   </a:tcPr>
                 </a:tc>
+                <a:extLst>
+                  <a:ext uri="{0D108BD9-81ED-4DB2-BD59-A6C34878D82A}">
+                    <a16:rowId xmlns:a16="http://schemas.microsoft.com/office/drawing/2014/main" val="10000"/>
+                  </a:ext>
+                </a:extLst>
               </a:tr>
               <a:tr h="1225319">
                 <a:tc>
@@ -3392,6 +3465,11 @@
                     </a:lnBlToTr>
                   </a:tcPr>
                 </a:tc>
+                <a:extLst>
+                  <a:ext uri="{0D108BD9-81ED-4DB2-BD59-A6C34878D82A}">
+                    <a16:rowId xmlns:a16="http://schemas.microsoft.com/office/drawing/2014/main" val="10001"/>
+                  </a:ext>
+                </a:extLst>
               </a:tr>
               <a:tr h="1225319">
                 <a:tc>
@@ -3626,6 +3704,11 @@
                     </a:lnBlToTr>
                   </a:tcPr>
                 </a:tc>
+                <a:extLst>
+                  <a:ext uri="{0D108BD9-81ED-4DB2-BD59-A6C34878D82A}">
+                    <a16:rowId xmlns:a16="http://schemas.microsoft.com/office/drawing/2014/main" val="10002"/>
+                  </a:ext>
+                </a:extLst>
               </a:tr>
               <a:tr h="1225319">
                 <a:tc>
@@ -3860,6 +3943,11 @@
                     </a:lnBlToTr>
                   </a:tcPr>
                 </a:tc>
+                <a:extLst>
+                  <a:ext uri="{0D108BD9-81ED-4DB2-BD59-A6C34878D82A}">
+                    <a16:rowId xmlns:a16="http://schemas.microsoft.com/office/drawing/2014/main" val="10003"/>
+                  </a:ext>
+                </a:extLst>
               </a:tr>
             </a:tbl>
           </a:graphicData>
@@ -5078,10 +5166,34 @@
                 <a:tableStyleId>{21E4AEA4-8DFA-4A89-87EB-49C32662AFE0}</a:tableStyleId>
               </a:tblPr>
               <a:tblGrid>
-                <a:gridCol w="2764105"/>
-                <a:gridCol w="2764105"/>
-                <a:gridCol w="2764105"/>
-                <a:gridCol w="2764105"/>
+                <a:gridCol w="2764105">
+                  <a:extLst>
+                    <a:ext uri="{9D8B030D-6E8A-4147-A177-3AD203B41FA5}">
+                      <a16:colId xmlns:a16="http://schemas.microsoft.com/office/drawing/2014/main" val="20000"/>
+                    </a:ext>
+                  </a:extLst>
+                </a:gridCol>
+                <a:gridCol w="2764105">
+                  <a:extLst>
+                    <a:ext uri="{9D8B030D-6E8A-4147-A177-3AD203B41FA5}">
+                      <a16:colId xmlns:a16="http://schemas.microsoft.com/office/drawing/2014/main" val="20001"/>
+                    </a:ext>
+                  </a:extLst>
+                </a:gridCol>
+                <a:gridCol w="2764105">
+                  <a:extLst>
+                    <a:ext uri="{9D8B030D-6E8A-4147-A177-3AD203B41FA5}">
+                      <a16:colId xmlns:a16="http://schemas.microsoft.com/office/drawing/2014/main" val="20002"/>
+                    </a:ext>
+                  </a:extLst>
+                </a:gridCol>
+                <a:gridCol w="2764105">
+                  <a:extLst>
+                    <a:ext uri="{9D8B030D-6E8A-4147-A177-3AD203B41FA5}">
+                      <a16:colId xmlns:a16="http://schemas.microsoft.com/office/drawing/2014/main" val="20003"/>
+                    </a:ext>
+                  </a:extLst>
+                </a:gridCol>
               </a:tblGrid>
               <a:tr h="644435">
                 <a:tc>
@@ -5252,6 +5364,11 @@
                     </a:solidFill>
                   </a:tcPr>
                 </a:tc>
+                <a:extLst>
+                  <a:ext uri="{0D108BD9-81ED-4DB2-BD59-A6C34878D82A}">
+                    <a16:rowId xmlns:a16="http://schemas.microsoft.com/office/drawing/2014/main" val="10000"/>
+                  </a:ext>
+                </a:extLst>
               </a:tr>
               <a:tr h="1225319">
                 <a:tc>
@@ -5479,6 +5596,11 @@
                     </a:solidFill>
                   </a:tcPr>
                 </a:tc>
+                <a:extLst>
+                  <a:ext uri="{0D108BD9-81ED-4DB2-BD59-A6C34878D82A}">
+                    <a16:rowId xmlns:a16="http://schemas.microsoft.com/office/drawing/2014/main" val="10001"/>
+                  </a:ext>
+                </a:extLst>
               </a:tr>
               <a:tr h="1225319">
                 <a:tc>
@@ -5733,6 +5855,11 @@
                     </a:solidFill>
                   </a:tcPr>
                 </a:tc>
+                <a:extLst>
+                  <a:ext uri="{0D108BD9-81ED-4DB2-BD59-A6C34878D82A}">
+                    <a16:rowId xmlns:a16="http://schemas.microsoft.com/office/drawing/2014/main" val="10002"/>
+                  </a:ext>
+                </a:extLst>
               </a:tr>
               <a:tr h="1225319">
                 <a:tc>
@@ -5979,6 +6106,11 @@
                     </a:solidFill>
                   </a:tcPr>
                 </a:tc>
+                <a:extLst>
+                  <a:ext uri="{0D108BD9-81ED-4DB2-BD59-A6C34878D82A}">
+                    <a16:rowId xmlns:a16="http://schemas.microsoft.com/office/drawing/2014/main" val="10003"/>
+                  </a:ext>
+                </a:extLst>
               </a:tr>
             </a:tbl>
           </a:graphicData>
@@ -7389,10 +7521,34 @@
                 <a:tableStyleId>{5C22544A-7EE6-4342-B048-85BDC9FD1C3A}</a:tableStyleId>
               </a:tblPr>
               <a:tblGrid>
-                <a:gridCol w="2764105"/>
-                <a:gridCol w="2764105"/>
-                <a:gridCol w="2764105"/>
-                <a:gridCol w="2764105"/>
+                <a:gridCol w="2764105">
+                  <a:extLst>
+                    <a:ext uri="{9D8B030D-6E8A-4147-A177-3AD203B41FA5}">
+                      <a16:colId xmlns:a16="http://schemas.microsoft.com/office/drawing/2014/main" val="20000"/>
+                    </a:ext>
+                  </a:extLst>
+                </a:gridCol>
+                <a:gridCol w="2764105">
+                  <a:extLst>
+                    <a:ext uri="{9D8B030D-6E8A-4147-A177-3AD203B41FA5}">
+                      <a16:colId xmlns:a16="http://schemas.microsoft.com/office/drawing/2014/main" val="20001"/>
+                    </a:ext>
+                  </a:extLst>
+                </a:gridCol>
+                <a:gridCol w="2764105">
+                  <a:extLst>
+                    <a:ext uri="{9D8B030D-6E8A-4147-A177-3AD203B41FA5}">
+                      <a16:colId xmlns:a16="http://schemas.microsoft.com/office/drawing/2014/main" val="20002"/>
+                    </a:ext>
+                  </a:extLst>
+                </a:gridCol>
+                <a:gridCol w="2764105">
+                  <a:extLst>
+                    <a:ext uri="{9D8B030D-6E8A-4147-A177-3AD203B41FA5}">
+                      <a16:colId xmlns:a16="http://schemas.microsoft.com/office/drawing/2014/main" val="20003"/>
+                    </a:ext>
+                  </a:extLst>
+                </a:gridCol>
               </a:tblGrid>
               <a:tr h="644435">
                 <a:tc>
@@ -7567,6 +7723,11 @@
                     </a:lnBlToTr>
                   </a:tcPr>
                 </a:tc>
+                <a:extLst>
+                  <a:ext uri="{0D108BD9-81ED-4DB2-BD59-A6C34878D82A}">
+                    <a16:rowId xmlns:a16="http://schemas.microsoft.com/office/drawing/2014/main" val="10000"/>
+                  </a:ext>
+                </a:extLst>
               </a:tr>
               <a:tr h="1225319">
                 <a:tc>
@@ -7798,6 +7959,11 @@
                     </a:lnBlToTr>
                   </a:tcPr>
                 </a:tc>
+                <a:extLst>
+                  <a:ext uri="{0D108BD9-81ED-4DB2-BD59-A6C34878D82A}">
+                    <a16:rowId xmlns:a16="http://schemas.microsoft.com/office/drawing/2014/main" val="10001"/>
+                  </a:ext>
+                </a:extLst>
               </a:tr>
               <a:tr h="1225319">
                 <a:tc>
@@ -8048,6 +8214,11 @@
                     </a:lnBlToTr>
                   </a:tcPr>
                 </a:tc>
+                <a:extLst>
+                  <a:ext uri="{0D108BD9-81ED-4DB2-BD59-A6C34878D82A}">
+                    <a16:rowId xmlns:a16="http://schemas.microsoft.com/office/drawing/2014/main" val="10002"/>
+                  </a:ext>
+                </a:extLst>
               </a:tr>
               <a:tr h="1225319">
                 <a:tc>
@@ -8298,6 +8469,11 @@
                     </a:lnBlToTr>
                   </a:tcPr>
                 </a:tc>
+                <a:extLst>
+                  <a:ext uri="{0D108BD9-81ED-4DB2-BD59-A6C34878D82A}">
+                    <a16:rowId xmlns:a16="http://schemas.microsoft.com/office/drawing/2014/main" val="10003"/>
+                  </a:ext>
+                </a:extLst>
               </a:tr>
             </a:tbl>
           </a:graphicData>
@@ -9510,10 +9686,34 @@
                 <a:tableStyleId>{5C22544A-7EE6-4342-B048-85BDC9FD1C3A}</a:tableStyleId>
               </a:tblPr>
               <a:tblGrid>
-                <a:gridCol w="2764105"/>
-                <a:gridCol w="2764105"/>
-                <a:gridCol w="2764105"/>
-                <a:gridCol w="2764105"/>
+                <a:gridCol w="2764105">
+                  <a:extLst>
+                    <a:ext uri="{9D8B030D-6E8A-4147-A177-3AD203B41FA5}">
+                      <a16:colId xmlns:a16="http://schemas.microsoft.com/office/drawing/2014/main" val="20000"/>
+                    </a:ext>
+                  </a:extLst>
+                </a:gridCol>
+                <a:gridCol w="2764105">
+                  <a:extLst>
+                    <a:ext uri="{9D8B030D-6E8A-4147-A177-3AD203B41FA5}">
+                      <a16:colId xmlns:a16="http://schemas.microsoft.com/office/drawing/2014/main" val="20001"/>
+                    </a:ext>
+                  </a:extLst>
+                </a:gridCol>
+                <a:gridCol w="2764105">
+                  <a:extLst>
+                    <a:ext uri="{9D8B030D-6E8A-4147-A177-3AD203B41FA5}">
+                      <a16:colId xmlns:a16="http://schemas.microsoft.com/office/drawing/2014/main" val="20002"/>
+                    </a:ext>
+                  </a:extLst>
+                </a:gridCol>
+                <a:gridCol w="2764105">
+                  <a:extLst>
+                    <a:ext uri="{9D8B030D-6E8A-4147-A177-3AD203B41FA5}">
+                      <a16:colId xmlns:a16="http://schemas.microsoft.com/office/drawing/2014/main" val="20003"/>
+                    </a:ext>
+                  </a:extLst>
+                </a:gridCol>
               </a:tblGrid>
               <a:tr h="644435">
                 <a:tc>
@@ -9688,6 +9888,11 @@
                     </a:lnBlToTr>
                   </a:tcPr>
                 </a:tc>
+                <a:extLst>
+                  <a:ext uri="{0D108BD9-81ED-4DB2-BD59-A6C34878D82A}">
+                    <a16:rowId xmlns:a16="http://schemas.microsoft.com/office/drawing/2014/main" val="10000"/>
+                  </a:ext>
+                </a:extLst>
               </a:tr>
               <a:tr h="1225319">
                 <a:tc>
@@ -9919,6 +10124,11 @@
                     </a:lnBlToTr>
                   </a:tcPr>
                 </a:tc>
+                <a:extLst>
+                  <a:ext uri="{0D108BD9-81ED-4DB2-BD59-A6C34878D82A}">
+                    <a16:rowId xmlns:a16="http://schemas.microsoft.com/office/drawing/2014/main" val="10001"/>
+                  </a:ext>
+                </a:extLst>
               </a:tr>
               <a:tr h="1225319">
                 <a:tc>
@@ -10169,6 +10379,11 @@
                     </a:lnBlToTr>
                   </a:tcPr>
                 </a:tc>
+                <a:extLst>
+                  <a:ext uri="{0D108BD9-81ED-4DB2-BD59-A6C34878D82A}">
+                    <a16:rowId xmlns:a16="http://schemas.microsoft.com/office/drawing/2014/main" val="10002"/>
+                  </a:ext>
+                </a:extLst>
               </a:tr>
               <a:tr h="1225319">
                 <a:tc>
@@ -10419,6 +10634,11 @@
                     </a:lnBlToTr>
                   </a:tcPr>
                 </a:tc>
+                <a:extLst>
+                  <a:ext uri="{0D108BD9-81ED-4DB2-BD59-A6C34878D82A}">
+                    <a16:rowId xmlns:a16="http://schemas.microsoft.com/office/drawing/2014/main" val="10003"/>
+                  </a:ext>
+                </a:extLst>
               </a:tr>
             </a:tbl>
           </a:graphicData>
@@ -18085,11 +18305,7 @@
           <a:p>
             <a:r>
               <a:rPr lang="en-US" dirty="0" smtClean="0"/>
-              <a:t>Deploying to Microsoft Azure Web </a:t>
-            </a:r>
-            <a:r>
-              <a:rPr lang="en-US" dirty="0" smtClean="0"/>
-              <a:t>Apps</a:t>
+              <a:t>Deploying to Microsoft Azure Web Apps</a:t>
             </a:r>
             <a:endParaRPr lang="en-US" dirty="0"/>
           </a:p>
@@ -18359,6 +18575,34 @@
       </p:grpSpPr>
       <p:sp>
         <p:nvSpPr>
+          <p:cNvPr id="2" name="Title 1"/>
+          <p:cNvSpPr>
+            <a:spLocks noGrp="1"/>
+          </p:cNvSpPr>
+          <p:nvPr>
+            <p:ph type="title"/>
+          </p:nvPr>
+        </p:nvSpPr>
+        <p:spPr>
+          <a:xfrm>
+            <a:off x="357188" y="-154968"/>
+            <a:ext cx="11079822" cy="1325563"/>
+          </a:xfrm>
+        </p:spPr>
+        <p:txBody>
+          <a:bodyPr/>
+          <a:lstStyle/>
+          <a:p>
+            <a:r>
+              <a:rPr lang="en-US" dirty="0" smtClean="0"/>
+              <a:t>Today’s Agenda</a:t>
+            </a:r>
+            <a:endParaRPr lang="en-US" dirty="0"/>
+          </a:p>
+        </p:txBody>
+      </p:sp>
+      <p:sp>
+        <p:nvSpPr>
           <p:cNvPr id="3" name="Content Placeholder 2"/>
           <p:cNvSpPr>
             <a:spLocks noGrp="1"/>
@@ -18372,6 +18616,29 @@
           <a:bodyPr/>
           <a:lstStyle/>
           <a:p>
+            <a:endParaRPr lang="en-US"/>
+          </a:p>
+        </p:txBody>
+      </p:sp>
+      <p:sp>
+        <p:nvSpPr>
+          <p:cNvPr id="4" name="Slide Number Placeholder 3"/>
+          <p:cNvSpPr>
+            <a:spLocks noGrp="1"/>
+          </p:cNvSpPr>
+          <p:nvPr>
+            <p:ph type="sldNum" sz="quarter" idx="12"/>
+          </p:nvPr>
+        </p:nvSpPr>
+        <p:spPr/>
+        <p:txBody>
+          <a:bodyPr/>
+          <a:lstStyle/>
+          <a:p>
+            <a:fld id="{0A164282-434E-41D4-9582-783D542A7B68}" type="slidenum">
+              <a:rPr lang="en-US" smtClean="0"/>
+              <a:t>2</a:t>
+            </a:fld>
             <a:endParaRPr lang="en-US"/>
           </a:p>
         </p:txBody>
@@ -18404,14 +18671,14 @@
           <p:nvPr>
             <p:extLst>
               <p:ext uri="{D42A27DB-BD31-4B8C-83A1-F6EECF244321}">
-                <p14:modId xmlns:p14="http://schemas.microsoft.com/office/powerpoint/2010/main" val="2017187027"/>
+                <p14:modId xmlns:p14="http://schemas.microsoft.com/office/powerpoint/2010/main" val="2979339217"/>
               </p:ext>
             </p:extLst>
           </p:nvPr>
         </p:nvGraphicFramePr>
         <p:xfrm>
           <a:off x="454816" y="1031200"/>
-          <a:ext cx="11483183" cy="5225016"/>
+          <a:ext cx="11483183" cy="5634204"/>
         </p:xfrm>
         <a:graphic>
           <a:graphicData uri="http://schemas.openxmlformats.org/drawingml/2006/table">
@@ -18420,9 +18687,27 @@
                 <a:tableStyleId>{6E25E649-3F16-4E02-A733-19D2CDBF48F0}</a:tableStyleId>
               </a:tblPr>
               <a:tblGrid>
-                <a:gridCol w="8350512"/>
-                <a:gridCol w="1662043"/>
-                <a:gridCol w="1470628"/>
+                <a:gridCol w="8350512">
+                  <a:extLst>
+                    <a:ext uri="{9D8B030D-6E8A-4147-A177-3AD203B41FA5}">
+                      <a16:colId xmlns:a16="http://schemas.microsoft.com/office/drawing/2014/main" val="20000"/>
+                    </a:ext>
+                  </a:extLst>
+                </a:gridCol>
+                <a:gridCol w="1662043">
+                  <a:extLst>
+                    <a:ext uri="{9D8B030D-6E8A-4147-A177-3AD203B41FA5}">
+                      <a16:colId xmlns:a16="http://schemas.microsoft.com/office/drawing/2014/main" val="20001"/>
+                    </a:ext>
+                  </a:extLst>
+                </a:gridCol>
+                <a:gridCol w="1470628">
+                  <a:extLst>
+                    <a:ext uri="{9D8B030D-6E8A-4147-A177-3AD203B41FA5}">
+                      <a16:colId xmlns:a16="http://schemas.microsoft.com/office/drawing/2014/main" val="20002"/>
+                    </a:ext>
+                  </a:extLst>
+                </a:gridCol>
               </a:tblGrid>
               <a:tr h="409188">
                 <a:tc>
@@ -18467,6 +18752,11 @@
                   </a:txBody>
                   <a:tcPr marL="45720" marR="45720"/>
                 </a:tc>
+                <a:extLst>
+                  <a:ext uri="{0D108BD9-81ED-4DB2-BD59-A6C34878D82A}">
+                    <a16:rowId xmlns:a16="http://schemas.microsoft.com/office/drawing/2014/main" val="10000"/>
+                  </a:ext>
+                </a:extLst>
               </a:tr>
               <a:tr h="409188">
                 <a:tc>
@@ -18475,10 +18765,103 @@
                     <a:lstStyle/>
                     <a:p>
                       <a:r>
-                        <a:rPr lang="en-US" sz="2000" dirty="0" smtClean="0"/>
+                        <a:rPr lang="en-US" sz="2000" dirty="0" smtClean="0">
+                          <a:solidFill>
+                            <a:srgbClr val="000000"/>
+                          </a:solidFill>
+                        </a:rPr>
                         <a:t>Keynote</a:t>
                       </a:r>
-                      <a:endParaRPr lang="en-US" sz="2000" dirty="0"/>
+                      <a:endParaRPr lang="en-US" sz="2000" dirty="0">
+                        <a:solidFill>
+                          <a:srgbClr val="000000"/>
+                        </a:solidFill>
+                      </a:endParaRPr>
+                    </a:p>
+                  </a:txBody>
+                  <a:tcPr marL="45720" marR="45720">
+                    <a:solidFill>
+                      <a:srgbClr val="E7E7E7"/>
+                    </a:solidFill>
+                  </a:tcPr>
+                </a:tc>
+                <a:tc>
+                  <a:txBody>
+                    <a:bodyPr/>
+                    <a:lstStyle/>
+                    <a:p>
+                      <a:r>
+                        <a:rPr lang="en-US" sz="2000" dirty="0" smtClean="0">
+                          <a:solidFill>
+                            <a:srgbClr val="000000"/>
+                          </a:solidFill>
+                        </a:rPr>
+                        <a:t>8:30</a:t>
+                      </a:r>
+                      <a:endParaRPr lang="en-US" sz="2000" dirty="0">
+                        <a:solidFill>
+                          <a:srgbClr val="000000"/>
+                        </a:solidFill>
+                      </a:endParaRPr>
+                    </a:p>
+                  </a:txBody>
+                  <a:tcPr marL="45720" marR="45720">
+                    <a:solidFill>
+                      <a:srgbClr val="E7E7E7"/>
+                    </a:solidFill>
+                  </a:tcPr>
+                </a:tc>
+                <a:tc>
+                  <a:txBody>
+                    <a:bodyPr/>
+                    <a:lstStyle/>
+                    <a:p>
+                      <a:r>
+                        <a:rPr lang="en-US" sz="2000" dirty="0" smtClean="0">
+                          <a:solidFill>
+                            <a:srgbClr val="000000"/>
+                          </a:solidFill>
+                        </a:rPr>
+                        <a:t>9:00</a:t>
+                      </a:r>
+                      <a:endParaRPr lang="en-US" sz="2000" dirty="0">
+                        <a:solidFill>
+                          <a:srgbClr val="000000"/>
+                        </a:solidFill>
+                      </a:endParaRPr>
+                    </a:p>
+                  </a:txBody>
+                  <a:tcPr marL="45720" marR="45720">
+                    <a:solidFill>
+                      <a:srgbClr val="E7E7E7"/>
+                    </a:solidFill>
+                  </a:tcPr>
+                </a:tc>
+                <a:extLst>
+                  <a:ext uri="{0D108BD9-81ED-4DB2-BD59-A6C34878D82A}">
+                    <a16:rowId xmlns:a16="http://schemas.microsoft.com/office/drawing/2014/main" val="10001"/>
+                  </a:ext>
+                </a:extLst>
+              </a:tr>
+              <a:tr h="409188">
+                <a:tc>
+                  <a:txBody>
+                    <a:bodyPr/>
+                    <a:lstStyle/>
+                    <a:p>
+                      <a:r>
+                        <a:rPr lang="en-US" sz="2000" dirty="0" smtClean="0">
+                          <a:solidFill>
+                            <a:srgbClr val="000000"/>
+                          </a:solidFill>
+                        </a:rPr>
+                        <a:t>Introduction to ASP.NET and Visual Studio 2015 Web Tools</a:t>
+                      </a:r>
+                      <a:endParaRPr lang="en-US" sz="2000" dirty="0">
+                        <a:solidFill>
+                          <a:srgbClr val="000000"/>
+                        </a:solidFill>
+                      </a:endParaRPr>
                     </a:p>
                   </a:txBody>
                   <a:tcPr marL="45720" marR="45720"/>
@@ -18489,10 +18872,18 @@
                     <a:lstStyle/>
                     <a:p>
                       <a:r>
-                        <a:rPr lang="en-US" sz="2000" dirty="0" smtClean="0"/>
-                        <a:t>8:30</a:t>
+                        <a:rPr lang="en-US" sz="2000" dirty="0" smtClean="0">
+                          <a:solidFill>
+                            <a:srgbClr val="000000"/>
+                          </a:solidFill>
+                        </a:rPr>
+                        <a:t>9:00</a:t>
                       </a:r>
-                      <a:endParaRPr lang="en-US" sz="2000" dirty="0"/>
+                      <a:endParaRPr lang="en-US" sz="2000" dirty="0">
+                        <a:solidFill>
+                          <a:srgbClr val="000000"/>
+                        </a:solidFill>
+                      </a:endParaRPr>
                     </a:p>
                   </a:txBody>
                   <a:tcPr marL="45720" marR="45720"/>
@@ -18503,14 +18894,27 @@
                     <a:lstStyle/>
                     <a:p>
                       <a:r>
-                        <a:rPr lang="en-US" sz="2000" dirty="0" smtClean="0"/>
-                        <a:t>9:00</a:t>
+                        <a:rPr lang="en-US" sz="2000" dirty="0" smtClean="0">
+                          <a:solidFill>
+                            <a:srgbClr val="000000"/>
+                          </a:solidFill>
+                        </a:rPr>
+                        <a:t>10:00</a:t>
                       </a:r>
-                      <a:endParaRPr lang="en-US" sz="2000" dirty="0"/>
+                      <a:endParaRPr lang="en-US" sz="2000" dirty="0">
+                        <a:solidFill>
+                          <a:srgbClr val="000000"/>
+                        </a:solidFill>
+                      </a:endParaRPr>
                     </a:p>
                   </a:txBody>
                   <a:tcPr marL="45720" marR="45720"/>
                 </a:tc>
+                <a:extLst>
+                  <a:ext uri="{0D108BD9-81ED-4DB2-BD59-A6C34878D82A}">
+                    <a16:rowId xmlns:a16="http://schemas.microsoft.com/office/drawing/2014/main" val="10002"/>
+                  </a:ext>
+                </a:extLst>
               </a:tr>
               <a:tr h="409188">
                 <a:tc>
@@ -18519,15 +18923,23 @@
                     <a:lstStyle/>
                     <a:p>
                       <a:r>
-                        <a:rPr lang="en-US" sz="2000" dirty="0" smtClean="0"/>
-                        <a:t>Introduction to ASP.NET and Visual Studio 2013 Web Tooling</a:t>
+                        <a:rPr lang="en-US" sz="2000" dirty="0" smtClean="0">
+                          <a:solidFill>
+                            <a:srgbClr val="000000"/>
+                          </a:solidFill>
+                        </a:rPr>
+                        <a:t>Building Web Applications using the latest ASP.NET technologies</a:t>
                       </a:r>
-                      <a:endParaRPr lang="en-US" sz="2000" dirty="0"/>
+                      <a:endParaRPr lang="en-US" sz="2000" dirty="0">
+                        <a:solidFill>
+                          <a:srgbClr val="000000"/>
+                        </a:solidFill>
+                      </a:endParaRPr>
                     </a:p>
                   </a:txBody>
                   <a:tcPr marL="45720" marR="45720">
                     <a:solidFill>
-                      <a:schemeClr val="bg1"/>
+                      <a:srgbClr val="FFC000"/>
                     </a:solidFill>
                   </a:tcPr>
                 </a:tc>
@@ -18537,15 +18949,23 @@
                     <a:lstStyle/>
                     <a:p>
                       <a:r>
-                        <a:rPr lang="en-US" sz="2000" dirty="0" smtClean="0"/>
-                        <a:t>9:00</a:t>
+                        <a:rPr lang="en-US" sz="2000" dirty="0" smtClean="0">
+                          <a:solidFill>
+                            <a:srgbClr val="000000"/>
+                          </a:solidFill>
+                        </a:rPr>
+                        <a:t>10:00</a:t>
                       </a:r>
-                      <a:endParaRPr lang="en-US" sz="2000" dirty="0"/>
+                      <a:endParaRPr lang="en-US" sz="2000" dirty="0">
+                        <a:solidFill>
+                          <a:srgbClr val="000000"/>
+                        </a:solidFill>
+                      </a:endParaRPr>
                     </a:p>
                   </a:txBody>
                   <a:tcPr marL="45720" marR="45720">
                     <a:solidFill>
-                      <a:schemeClr val="bg1"/>
+                      <a:srgbClr val="FFC000"/>
                     </a:solidFill>
                   </a:tcPr>
                 </a:tc>
@@ -18555,18 +18975,31 @@
                     <a:lstStyle/>
                     <a:p>
                       <a:r>
-                        <a:rPr lang="en-US" sz="2000" dirty="0" smtClean="0"/>
-                        <a:t>10:00</a:t>
+                        <a:rPr lang="en-US" sz="2000" dirty="0" smtClean="0">
+                          <a:solidFill>
+                            <a:srgbClr val="000000"/>
+                          </a:solidFill>
+                        </a:rPr>
+                        <a:t>11:00</a:t>
                       </a:r>
-                      <a:endParaRPr lang="en-US" sz="2000" dirty="0"/>
+                      <a:endParaRPr lang="en-US" sz="2000" dirty="0">
+                        <a:solidFill>
+                          <a:srgbClr val="000000"/>
+                        </a:solidFill>
+                      </a:endParaRPr>
                     </a:p>
                   </a:txBody>
                   <a:tcPr marL="45720" marR="45720">
                     <a:solidFill>
-                      <a:schemeClr val="bg1"/>
+                      <a:srgbClr val="FFC000"/>
                     </a:solidFill>
                   </a:tcPr>
                 </a:tc>
+                <a:extLst>
+                  <a:ext uri="{0D108BD9-81ED-4DB2-BD59-A6C34878D82A}">
+                    <a16:rowId xmlns:a16="http://schemas.microsoft.com/office/drawing/2014/main" val="10003"/>
+                  </a:ext>
+                </a:extLst>
               </a:tr>
               <a:tr h="409188">
                 <a:tc>
@@ -18575,66 +19008,18 @@
                     <a:lstStyle/>
                     <a:p>
                       <a:r>
-                        <a:rPr lang="en-US" sz="2000" dirty="0" smtClean="0"/>
-                        <a:t>Building Web Applications using the latest ASP.NET technologies</a:t>
-                      </a:r>
-                      <a:endParaRPr lang="en-US" sz="2000" dirty="0"/>
-                    </a:p>
-                  </a:txBody>
-                  <a:tcPr marL="45720" marR="45720">
-                    <a:solidFill>
-                      <a:schemeClr val="accent4"/>
-                    </a:solidFill>
-                  </a:tcPr>
-                </a:tc>
-                <a:tc>
-                  <a:txBody>
-                    <a:bodyPr/>
-                    <a:lstStyle/>
-                    <a:p>
-                      <a:r>
-                        <a:rPr lang="en-US" sz="2000" dirty="0" smtClean="0"/>
-                        <a:t>10:00</a:t>
-                      </a:r>
-                      <a:endParaRPr lang="en-US" sz="2000" dirty="0"/>
-                    </a:p>
-                  </a:txBody>
-                  <a:tcPr marL="45720" marR="45720">
-                    <a:solidFill>
-                      <a:schemeClr val="accent4"/>
-                    </a:solidFill>
-                  </a:tcPr>
-                </a:tc>
-                <a:tc>
-                  <a:txBody>
-                    <a:bodyPr/>
-                    <a:lstStyle/>
-                    <a:p>
-                      <a:r>
-                        <a:rPr lang="en-US" sz="2000" dirty="0" smtClean="0"/>
-                        <a:t>11:00</a:t>
-                      </a:r>
-                      <a:endParaRPr lang="en-US" sz="2000" dirty="0"/>
-                    </a:p>
-                  </a:txBody>
-                  <a:tcPr marL="45720" marR="45720">
-                    <a:solidFill>
-                      <a:schemeClr val="accent4"/>
-                    </a:solidFill>
-                  </a:tcPr>
-                </a:tc>
-              </a:tr>
-              <a:tr h="409188">
-                <a:tc>
-                  <a:txBody>
-                    <a:bodyPr/>
-                    <a:lstStyle/>
-                    <a:p>
-                      <a:r>
-                        <a:rPr lang="en-US" sz="2000" dirty="0" smtClean="0"/>
+                        <a:rPr lang="en-US" sz="2000" dirty="0" smtClean="0">
+                          <a:solidFill>
+                            <a:srgbClr val="000000"/>
+                          </a:solidFill>
+                        </a:rPr>
                         <a:t>Break</a:t>
                       </a:r>
-                      <a:endParaRPr lang="en-US" sz="2000" dirty="0"/>
+                      <a:endParaRPr lang="en-US" sz="2000" dirty="0">
+                        <a:solidFill>
+                          <a:srgbClr val="000000"/>
+                        </a:solidFill>
+                      </a:endParaRPr>
                     </a:p>
                   </a:txBody>
                   <a:tcPr marL="45720" marR="45720"/>
@@ -18645,10 +19030,18 @@
                     <a:lstStyle/>
                     <a:p>
                       <a:r>
-                        <a:rPr lang="en-US" sz="2000" dirty="0" smtClean="0"/>
+                        <a:rPr lang="en-US" sz="2000" dirty="0" smtClean="0">
+                          <a:solidFill>
+                            <a:srgbClr val="000000"/>
+                          </a:solidFill>
+                        </a:rPr>
                         <a:t>11:00</a:t>
                       </a:r>
-                      <a:endParaRPr lang="en-US" sz="2000" dirty="0"/>
+                      <a:endParaRPr lang="en-US" sz="2000" dirty="0">
+                        <a:solidFill>
+                          <a:srgbClr val="000000"/>
+                        </a:solidFill>
+                      </a:endParaRPr>
                     </a:p>
                   </a:txBody>
                   <a:tcPr marL="45720" marR="45720"/>
@@ -18659,14 +19052,27 @@
                     <a:lstStyle/>
                     <a:p>
                       <a:r>
-                        <a:rPr lang="en-US" sz="2000" dirty="0" smtClean="0"/>
+                        <a:rPr lang="en-US" sz="2000" dirty="0" smtClean="0">
+                          <a:solidFill>
+                            <a:srgbClr val="000000"/>
+                          </a:solidFill>
+                        </a:rPr>
                         <a:t>11:15</a:t>
                       </a:r>
-                      <a:endParaRPr lang="en-US" sz="2000" dirty="0"/>
+                      <a:endParaRPr lang="en-US" sz="2000" dirty="0">
+                        <a:solidFill>
+                          <a:srgbClr val="000000"/>
+                        </a:solidFill>
+                      </a:endParaRPr>
                     </a:p>
                   </a:txBody>
                   <a:tcPr marL="45720" marR="45720"/>
                 </a:tc>
+                <a:extLst>
+                  <a:ext uri="{0D108BD9-81ED-4DB2-BD59-A6C34878D82A}">
+                    <a16:rowId xmlns:a16="http://schemas.microsoft.com/office/drawing/2014/main" val="10004"/>
+                  </a:ext>
+                </a:extLst>
               </a:tr>
               <a:tr h="723948">
                 <a:tc>
@@ -18675,10 +19081,18 @@
                     <a:lstStyle/>
                     <a:p>
                       <a:r>
-                        <a:rPr lang="en-US" sz="2000" dirty="0" smtClean="0"/>
+                        <a:rPr lang="en-US" sz="2000" dirty="0" smtClean="0">
+                          <a:solidFill>
+                            <a:srgbClr val="000000"/>
+                          </a:solidFill>
+                        </a:rPr>
                         <a:t>Building web front ends for both desktop and mobile using the latest web standards</a:t>
                       </a:r>
-                      <a:endParaRPr lang="en-US" sz="2000" dirty="0"/>
+                      <a:endParaRPr lang="en-US" sz="2000" dirty="0">
+                        <a:solidFill>
+                          <a:srgbClr val="000000"/>
+                        </a:solidFill>
+                      </a:endParaRPr>
                     </a:p>
                   </a:txBody>
                   <a:tcPr marL="45720" marR="45720"/>
@@ -18689,10 +19103,18 @@
                     <a:lstStyle/>
                     <a:p>
                       <a:r>
-                        <a:rPr lang="en-US" sz="2000" dirty="0" smtClean="0"/>
+                        <a:rPr lang="en-US" sz="2000" dirty="0" smtClean="0">
+                          <a:solidFill>
+                            <a:srgbClr val="000000"/>
+                          </a:solidFill>
+                        </a:rPr>
                         <a:t>11:15</a:t>
                       </a:r>
-                      <a:endParaRPr lang="en-US" sz="2000" dirty="0"/>
+                      <a:endParaRPr lang="en-US" sz="2000" dirty="0">
+                        <a:solidFill>
+                          <a:srgbClr val="000000"/>
+                        </a:solidFill>
+                      </a:endParaRPr>
                     </a:p>
                   </a:txBody>
                   <a:tcPr marL="45720" marR="45720"/>
@@ -18703,14 +19125,27 @@
                     <a:lstStyle/>
                     <a:p>
                       <a:r>
-                        <a:rPr lang="en-US" sz="2000" dirty="0" smtClean="0"/>
+                        <a:rPr lang="en-US" sz="2000" dirty="0" smtClean="0">
+                          <a:solidFill>
+                            <a:srgbClr val="000000"/>
+                          </a:solidFill>
+                        </a:rPr>
                         <a:t>12:15</a:t>
                       </a:r>
-                      <a:endParaRPr lang="en-US" sz="2000" dirty="0"/>
+                      <a:endParaRPr lang="en-US" sz="2000" dirty="0">
+                        <a:solidFill>
+                          <a:srgbClr val="000000"/>
+                        </a:solidFill>
+                      </a:endParaRPr>
                     </a:p>
                   </a:txBody>
                   <a:tcPr marL="45720" marR="45720"/>
                 </a:tc>
+                <a:extLst>
+                  <a:ext uri="{0D108BD9-81ED-4DB2-BD59-A6C34878D82A}">
+                    <a16:rowId xmlns:a16="http://schemas.microsoft.com/office/drawing/2014/main" val="10005"/>
+                  </a:ext>
+                </a:extLst>
               </a:tr>
               <a:tr h="409188">
                 <a:tc>
@@ -18719,10 +19154,18 @@
                     <a:lstStyle/>
                     <a:p>
                       <a:r>
-                        <a:rPr lang="en-US" sz="2000" dirty="0" smtClean="0"/>
+                        <a:rPr lang="en-US" sz="2000" dirty="0" smtClean="0">
+                          <a:solidFill>
+                            <a:srgbClr val="000000"/>
+                          </a:solidFill>
+                        </a:rPr>
                         <a:t>Lunch</a:t>
                       </a:r>
-                      <a:endParaRPr lang="en-US" sz="2000" dirty="0"/>
+                      <a:endParaRPr lang="en-US" sz="2000" dirty="0">
+                        <a:solidFill>
+                          <a:srgbClr val="000000"/>
+                        </a:solidFill>
+                      </a:endParaRPr>
                     </a:p>
                   </a:txBody>
                   <a:tcPr marL="45720" marR="45720"/>
@@ -18733,10 +19176,18 @@
                     <a:lstStyle/>
                     <a:p>
                       <a:r>
-                        <a:rPr lang="en-US" sz="2000" dirty="0" smtClean="0"/>
+                        <a:rPr lang="en-US" sz="2000" dirty="0" smtClean="0">
+                          <a:solidFill>
+                            <a:srgbClr val="000000"/>
+                          </a:solidFill>
+                        </a:rPr>
                         <a:t>12:15</a:t>
                       </a:r>
-                      <a:endParaRPr lang="en-US" sz="2000" dirty="0"/>
+                      <a:endParaRPr lang="en-US" sz="2000" dirty="0">
+                        <a:solidFill>
+                          <a:srgbClr val="000000"/>
+                        </a:solidFill>
+                      </a:endParaRPr>
                     </a:p>
                   </a:txBody>
                   <a:tcPr marL="45720" marR="45720"/>
@@ -18747,14 +19198,27 @@
                     <a:lstStyle/>
                     <a:p>
                       <a:r>
-                        <a:rPr lang="en-US" sz="2000" dirty="0" smtClean="0"/>
+                        <a:rPr lang="en-US" sz="2000" dirty="0" smtClean="0">
+                          <a:solidFill>
+                            <a:srgbClr val="000000"/>
+                          </a:solidFill>
+                        </a:rPr>
                         <a:t>1:15</a:t>
                       </a:r>
-                      <a:endParaRPr lang="en-US" sz="2000" dirty="0"/>
+                      <a:endParaRPr lang="en-US" sz="2000" dirty="0">
+                        <a:solidFill>
+                          <a:srgbClr val="000000"/>
+                        </a:solidFill>
+                      </a:endParaRPr>
                     </a:p>
                   </a:txBody>
                   <a:tcPr marL="45720" marR="45720"/>
                 </a:tc>
+                <a:extLst>
+                  <a:ext uri="{0D108BD9-81ED-4DB2-BD59-A6C34878D82A}">
+                    <a16:rowId xmlns:a16="http://schemas.microsoft.com/office/drawing/2014/main" val="10006"/>
+                  </a:ext>
+                </a:extLst>
               </a:tr>
               <a:tr h="409188">
                 <a:tc>
@@ -18763,10 +19227,18 @@
                     <a:lstStyle/>
                     <a:p>
                       <a:r>
-                        <a:rPr lang="en-US" sz="2000" dirty="0" smtClean="0"/>
+                        <a:rPr lang="en-US" sz="2000" dirty="0" smtClean="0">
+                          <a:solidFill>
+                            <a:srgbClr val="000000"/>
+                          </a:solidFill>
+                        </a:rPr>
                         <a:t>API Services for both web and devices</a:t>
                       </a:r>
-                      <a:endParaRPr lang="en-US" sz="2000" dirty="0"/>
+                      <a:endParaRPr lang="en-US" sz="2000" dirty="0">
+                        <a:solidFill>
+                          <a:srgbClr val="000000"/>
+                        </a:solidFill>
+                      </a:endParaRPr>
                     </a:p>
                   </a:txBody>
                   <a:tcPr marL="45720" marR="45720"/>
@@ -18777,10 +19249,18 @@
                     <a:lstStyle/>
                     <a:p>
                       <a:r>
-                        <a:rPr lang="en-US" sz="2000" dirty="0" smtClean="0"/>
+                        <a:rPr lang="en-US" sz="2000" dirty="0" smtClean="0">
+                          <a:solidFill>
+                            <a:srgbClr val="000000"/>
+                          </a:solidFill>
+                        </a:rPr>
                         <a:t>1:15</a:t>
                       </a:r>
-                      <a:endParaRPr lang="en-US" sz="2000" dirty="0"/>
+                      <a:endParaRPr lang="en-US" sz="2000" dirty="0">
+                        <a:solidFill>
+                          <a:srgbClr val="000000"/>
+                        </a:solidFill>
+                      </a:endParaRPr>
                     </a:p>
                   </a:txBody>
                   <a:tcPr marL="45720" marR="45720"/>
@@ -18791,14 +19271,27 @@
                     <a:lstStyle/>
                     <a:p>
                       <a:r>
-                        <a:rPr lang="en-US" sz="2000" dirty="0" smtClean="0"/>
+                        <a:rPr lang="en-US" sz="2000" dirty="0" smtClean="0">
+                          <a:solidFill>
+                            <a:srgbClr val="000000"/>
+                          </a:solidFill>
+                        </a:rPr>
                         <a:t>2:15</a:t>
                       </a:r>
-                      <a:endParaRPr lang="en-US" sz="2000" dirty="0"/>
+                      <a:endParaRPr lang="en-US" sz="2000" dirty="0">
+                        <a:solidFill>
+                          <a:srgbClr val="000000"/>
+                        </a:solidFill>
+                      </a:endParaRPr>
                     </a:p>
                   </a:txBody>
                   <a:tcPr marL="45720" marR="45720"/>
                 </a:tc>
+                <a:extLst>
+                  <a:ext uri="{0D108BD9-81ED-4DB2-BD59-A6C34878D82A}">
+                    <a16:rowId xmlns:a16="http://schemas.microsoft.com/office/drawing/2014/main" val="10007"/>
+                  </a:ext>
+                </a:extLst>
               </a:tr>
               <a:tr h="409188">
                 <a:tc>
@@ -18807,10 +19300,18 @@
                     <a:lstStyle/>
                     <a:p>
                       <a:r>
-                        <a:rPr lang="en-US" sz="2000" dirty="0" smtClean="0"/>
+                        <a:rPr lang="en-US" sz="2000" dirty="0" smtClean="0">
+                          <a:solidFill>
+                            <a:srgbClr val="000000"/>
+                          </a:solidFill>
+                        </a:rPr>
                         <a:t>Running, improving and maintaining a site in the real world</a:t>
                       </a:r>
-                      <a:endParaRPr lang="en-US" sz="2000" dirty="0"/>
+                      <a:endParaRPr lang="en-US" sz="2000" dirty="0">
+                        <a:solidFill>
+                          <a:srgbClr val="000000"/>
+                        </a:solidFill>
+                      </a:endParaRPr>
                     </a:p>
                   </a:txBody>
                   <a:tcPr marL="45720" marR="45720"/>
@@ -18821,10 +19322,18 @@
                     <a:lstStyle/>
                     <a:p>
                       <a:r>
-                        <a:rPr lang="en-US" sz="2000" dirty="0" smtClean="0"/>
+                        <a:rPr lang="en-US" sz="2000" dirty="0" smtClean="0">
+                          <a:solidFill>
+                            <a:srgbClr val="000000"/>
+                          </a:solidFill>
+                        </a:rPr>
                         <a:t>2:15</a:t>
                       </a:r>
-                      <a:endParaRPr lang="en-US" sz="2000" dirty="0"/>
+                      <a:endParaRPr lang="en-US" sz="2000" dirty="0">
+                        <a:solidFill>
+                          <a:srgbClr val="000000"/>
+                        </a:solidFill>
+                      </a:endParaRPr>
                     </a:p>
                   </a:txBody>
                   <a:tcPr marL="45720" marR="45720"/>
@@ -18835,14 +19344,27 @@
                     <a:lstStyle/>
                     <a:p>
                       <a:r>
-                        <a:rPr lang="en-US" sz="2000" dirty="0" smtClean="0"/>
+                        <a:rPr lang="en-US" sz="2000" dirty="0" smtClean="0">
+                          <a:solidFill>
+                            <a:srgbClr val="000000"/>
+                          </a:solidFill>
+                        </a:rPr>
                         <a:t>3:15</a:t>
                       </a:r>
-                      <a:endParaRPr lang="en-US" sz="2000" dirty="0"/>
+                      <a:endParaRPr lang="en-US" sz="2000" dirty="0">
+                        <a:solidFill>
+                          <a:srgbClr val="000000"/>
+                        </a:solidFill>
+                      </a:endParaRPr>
                     </a:p>
                   </a:txBody>
                   <a:tcPr marL="45720" marR="45720"/>
                 </a:tc>
+                <a:extLst>
+                  <a:ext uri="{0D108BD9-81ED-4DB2-BD59-A6C34878D82A}">
+                    <a16:rowId xmlns:a16="http://schemas.microsoft.com/office/drawing/2014/main" val="10008"/>
+                  </a:ext>
+                </a:extLst>
               </a:tr>
               <a:tr h="409188">
                 <a:tc>
@@ -18851,10 +19373,18 @@
                     <a:lstStyle/>
                     <a:p>
                       <a:r>
-                        <a:rPr lang="en-US" sz="2000" dirty="0" smtClean="0"/>
+                        <a:rPr lang="en-US" sz="2000" dirty="0" smtClean="0">
+                          <a:solidFill>
+                            <a:srgbClr val="000000"/>
+                          </a:solidFill>
+                        </a:rPr>
                         <a:t>Break</a:t>
                       </a:r>
-                      <a:endParaRPr lang="en-US" sz="2000" dirty="0"/>
+                      <a:endParaRPr lang="en-US" sz="2000" dirty="0">
+                        <a:solidFill>
+                          <a:srgbClr val="000000"/>
+                        </a:solidFill>
+                      </a:endParaRPr>
                     </a:p>
                   </a:txBody>
                   <a:tcPr marL="45720" marR="45720"/>
@@ -18865,10 +19395,18 @@
                     <a:lstStyle/>
                     <a:p>
                       <a:r>
-                        <a:rPr lang="en-US" sz="2000" dirty="0" smtClean="0"/>
+                        <a:rPr lang="en-US" sz="2000" dirty="0" smtClean="0">
+                          <a:solidFill>
+                            <a:srgbClr val="000000"/>
+                          </a:solidFill>
+                        </a:rPr>
                         <a:t>3:15</a:t>
                       </a:r>
-                      <a:endParaRPr lang="en-US" sz="2000" dirty="0"/>
+                      <a:endParaRPr lang="en-US" sz="2000" dirty="0">
+                        <a:solidFill>
+                          <a:srgbClr val="000000"/>
+                        </a:solidFill>
+                      </a:endParaRPr>
                     </a:p>
                   </a:txBody>
                   <a:tcPr marL="45720" marR="45720"/>
@@ -18879,14 +19417,27 @@
                     <a:lstStyle/>
                     <a:p>
                       <a:r>
-                        <a:rPr lang="en-US" sz="2000" dirty="0" smtClean="0"/>
+                        <a:rPr lang="en-US" sz="2000" dirty="0" smtClean="0">
+                          <a:solidFill>
+                            <a:srgbClr val="000000"/>
+                          </a:solidFill>
+                        </a:rPr>
                         <a:t>3:30</a:t>
                       </a:r>
-                      <a:endParaRPr lang="en-US" sz="2000" dirty="0"/>
+                      <a:endParaRPr lang="en-US" sz="2000" dirty="0">
+                        <a:solidFill>
+                          <a:srgbClr val="000000"/>
+                        </a:solidFill>
+                      </a:endParaRPr>
                     </a:p>
                   </a:txBody>
                   <a:tcPr marL="45720" marR="45720"/>
                 </a:tc>
+                <a:extLst>
+                  <a:ext uri="{0D108BD9-81ED-4DB2-BD59-A6C34878D82A}">
+                    <a16:rowId xmlns:a16="http://schemas.microsoft.com/office/drawing/2014/main" val="10009"/>
+                  </a:ext>
+                </a:extLst>
               </a:tr>
               <a:tr h="409188">
                 <a:tc>
@@ -18895,18 +19446,29 @@
                     <a:lstStyle/>
                     <a:p>
                       <a:r>
-                        <a:rPr lang="en-US" sz="2000" dirty="0" smtClean="0"/>
+                        <a:rPr lang="en-US" sz="2000" dirty="0" smtClean="0">
+                          <a:solidFill>
+                            <a:srgbClr val="000000"/>
+                          </a:solidFill>
+                        </a:rPr>
                         <a:t>Real-time Communications</a:t>
                       </a:r>
                       <a:r>
-                        <a:rPr lang="en-US" sz="2000" baseline="0" dirty="0" smtClean="0"/>
+                        <a:rPr lang="en-US" sz="2000" baseline="0" dirty="0" smtClean="0">
+                          <a:solidFill>
+                            <a:srgbClr val="000000"/>
+                          </a:solidFill>
+                        </a:rPr>
                         <a:t> with </a:t>
                       </a:r>
                       <a:r>
-                        <a:rPr lang="en-US" sz="2000" dirty="0" smtClean="0"/>
+                        <a:rPr lang="en-US" sz="2000" dirty="0" smtClean="0">
+                          <a:solidFill>
+                            <a:srgbClr val="000000"/>
+                          </a:solidFill>
+                        </a:rPr>
                         <a:t>SignalR</a:t>
                       </a:r>
-                      <a:endParaRPr lang="en-US" sz="2000" dirty="0"/>
                     </a:p>
                   </a:txBody>
                   <a:tcPr marL="45720" marR="45720"/>
@@ -18917,10 +19479,18 @@
                     <a:lstStyle/>
                     <a:p>
                       <a:r>
-                        <a:rPr lang="en-US" sz="2000" dirty="0" smtClean="0"/>
+                        <a:rPr lang="en-US" sz="2000" dirty="0" smtClean="0">
+                          <a:solidFill>
+                            <a:srgbClr val="000000"/>
+                          </a:solidFill>
+                        </a:rPr>
                         <a:t>3:30</a:t>
                       </a:r>
-                      <a:endParaRPr lang="en-US" sz="2000" dirty="0"/>
+                      <a:endParaRPr lang="en-US" sz="2000" dirty="0">
+                        <a:solidFill>
+                          <a:srgbClr val="000000"/>
+                        </a:solidFill>
+                      </a:endParaRPr>
                     </a:p>
                   </a:txBody>
                   <a:tcPr marL="45720" marR="45720"/>
@@ -18931,14 +19501,27 @@
                     <a:lstStyle/>
                     <a:p>
                       <a:r>
-                        <a:rPr lang="en-US" sz="2000" dirty="0" smtClean="0"/>
-                        <a:t>4:30</a:t>
+                        <a:rPr lang="en-US" sz="2000" dirty="0" smtClean="0">
+                          <a:solidFill>
+                            <a:srgbClr val="000000"/>
+                          </a:solidFill>
+                        </a:rPr>
+                        <a:t>4:00</a:t>
                       </a:r>
-                      <a:endParaRPr lang="en-US" sz="2000" dirty="0"/>
+                      <a:endParaRPr lang="en-US" sz="2000" dirty="0">
+                        <a:solidFill>
+                          <a:srgbClr val="000000"/>
+                        </a:solidFill>
+                      </a:endParaRPr>
                     </a:p>
                   </a:txBody>
                   <a:tcPr marL="45720" marR="45720"/>
                 </a:tc>
+                <a:extLst>
+                  <a:ext uri="{0D108BD9-81ED-4DB2-BD59-A6C34878D82A}">
+                    <a16:rowId xmlns:a16="http://schemas.microsoft.com/office/drawing/2014/main" val="10010"/>
+                  </a:ext>
+                </a:extLst>
               </a:tr>
               <a:tr h="409188">
                 <a:tc>
@@ -18947,14 +19530,13 @@
                     <a:lstStyle/>
                     <a:p>
                       <a:r>
-                        <a:rPr lang="en-US" sz="2000" dirty="0" smtClean="0"/>
-                        <a:t>Wrap</a:t>
+                        <a:rPr lang="en-US" sz="2000" dirty="0" smtClean="0">
+                          <a:solidFill>
+                            <a:srgbClr val="000000"/>
+                          </a:solidFill>
+                        </a:rPr>
+                        <a:t>ASP.NET 5 Preview</a:t>
                       </a:r>
-                      <a:r>
-                        <a:rPr lang="en-US" sz="2000" baseline="0" dirty="0" smtClean="0"/>
-                        <a:t> Up</a:t>
-                      </a:r>
-                      <a:endParaRPr lang="en-US" sz="2000" dirty="0"/>
                     </a:p>
                   </a:txBody>
                   <a:tcPr marL="45720" marR="45720"/>
@@ -18965,10 +19547,18 @@
                     <a:lstStyle/>
                     <a:p>
                       <a:r>
-                        <a:rPr lang="en-US" sz="2000" dirty="0" smtClean="0"/>
-                        <a:t>4:30</a:t>
+                        <a:rPr lang="en-US" sz="2000" dirty="0" smtClean="0">
+                          <a:solidFill>
+                            <a:srgbClr val="000000"/>
+                          </a:solidFill>
+                        </a:rPr>
+                        <a:t>4:00</a:t>
                       </a:r>
-                      <a:endParaRPr lang="en-US" sz="2000" dirty="0"/>
+                      <a:endParaRPr lang="en-US" sz="2000" dirty="0">
+                        <a:solidFill>
+                          <a:srgbClr val="000000"/>
+                        </a:solidFill>
+                      </a:endParaRPr>
                     </a:p>
                   </a:txBody>
                   <a:tcPr marL="45720" marR="45720"/>
@@ -18979,14 +19569,108 @@
                     <a:lstStyle/>
                     <a:p>
                       <a:r>
-                        <a:rPr lang="en-US" sz="2000" dirty="0" smtClean="0"/>
-                        <a:t>5:00</a:t>
+                        <a:rPr lang="en-US" sz="2000" dirty="0" smtClean="0">
+                          <a:solidFill>
+                            <a:srgbClr val="000000"/>
+                          </a:solidFill>
+                        </a:rPr>
+                        <a:t>4:45</a:t>
                       </a:r>
-                      <a:endParaRPr lang="en-US" sz="2000" dirty="0"/>
+                      <a:endParaRPr lang="en-US" sz="2000" dirty="0">
+                        <a:solidFill>
+                          <a:srgbClr val="000000"/>
+                        </a:solidFill>
+                      </a:endParaRPr>
                     </a:p>
                   </a:txBody>
                   <a:tcPr marL="45720" marR="45720"/>
                 </a:tc>
+                <a:extLst>
+                  <a:ext uri="{0D108BD9-81ED-4DB2-BD59-A6C34878D82A}">
+                    <a16:rowId xmlns:a16="http://schemas.microsoft.com/office/drawing/2014/main" val="4181698176"/>
+                  </a:ext>
+                </a:extLst>
+              </a:tr>
+              <a:tr h="409188">
+                <a:tc>
+                  <a:txBody>
+                    <a:bodyPr/>
+                    <a:lstStyle/>
+                    <a:p>
+                      <a:r>
+                        <a:rPr lang="en-US" sz="2000" dirty="0" smtClean="0">
+                          <a:solidFill>
+                            <a:srgbClr val="000000"/>
+                          </a:solidFill>
+                        </a:rPr>
+                        <a:t>Wrap</a:t>
+                      </a:r>
+                      <a:r>
+                        <a:rPr lang="en-US" sz="2000" baseline="0" dirty="0" smtClean="0">
+                          <a:solidFill>
+                            <a:srgbClr val="000000"/>
+                          </a:solidFill>
+                        </a:rPr>
+                        <a:t> Up</a:t>
+                      </a:r>
+                      <a:endParaRPr lang="en-US" sz="2000" dirty="0">
+                        <a:solidFill>
+                          <a:srgbClr val="000000"/>
+                        </a:solidFill>
+                      </a:endParaRPr>
+                    </a:p>
+                  </a:txBody>
+                  <a:tcPr marL="45720" marR="45720"/>
+                </a:tc>
+                <a:tc>
+                  <a:txBody>
+                    <a:bodyPr/>
+                    <a:lstStyle/>
+                    <a:p>
+                      <a:r>
+                        <a:rPr lang="en-US" sz="2000" dirty="0" smtClean="0">
+                          <a:solidFill>
+                            <a:srgbClr val="000000"/>
+                          </a:solidFill>
+                        </a:rPr>
+                        <a:t>4:45</a:t>
+                      </a:r>
+                      <a:endParaRPr lang="en-US" sz="2000" dirty="0">
+                        <a:solidFill>
+                          <a:srgbClr val="000000"/>
+                        </a:solidFill>
+                      </a:endParaRPr>
+                    </a:p>
+                  </a:txBody>
+                  <a:tcPr marL="45720" marR="45720"/>
+                </a:tc>
+                <a:tc>
+                  <a:txBody>
+                    <a:bodyPr/>
+                    <a:lstStyle/>
+                    <a:p>
+                      <a:r>
+                        <a:rPr lang="en-US" sz="2000" dirty="0" smtClean="0">
+                          <a:solidFill>
+                            <a:srgbClr val="000000"/>
+                          </a:solidFill>
+                        </a:rPr>
+                        <a:t>5:00</a:t>
+                      </a:r>
+                      <a:endParaRPr lang="en-US" sz="2000" dirty="0">
+                        <a:solidFill>
+                          <a:srgbClr val="000000"/>
+                        </a:solidFill>
+                      </a:endParaRPr>
+                    </a:p>
+                  </a:txBody>
+                  <a:tcPr marL="45720" marR="45720"/>
+                </a:tc>
+                <a:extLst>
+                  <a:ext uri="{0D108BD9-81ED-4DB2-BD59-A6C34878D82A}">
+                    <a16:rowId xmlns:a16="http://schemas.microsoft.com/office/drawing/2014/main" val="10011"/>
+                  </a:ext>
+                </a:extLst>
               </a:tr>
             </a:tbl>
           </a:graphicData>
@@ -18995,7 +19679,7 @@
     </p:spTree>
     <p:extLst>
       <p:ext uri="{BB962C8B-B14F-4D97-AF65-F5344CB8AC3E}">
-        <p14:creationId xmlns:p14="http://schemas.microsoft.com/office/powerpoint/2010/main" val="3096345815"/>
+        <p14:creationId xmlns:p14="http://schemas.microsoft.com/office/powerpoint/2010/main" val="396892791"/>
       </p:ext>
     </p:extLst>
   </p:cSld>

--- a/Presentation/Build-and-deploy-ASPNET/Build-and-deploy-ASPNET.pptx
+++ b/Presentation/Build-and-deploy-ASPNET/Build-and-deploy-ASPNET.pptx
@@ -15,7 +15,7 @@
   </p:notesMasterIdLst>
   <p:sldIdLst>
     <p:sldId id="257" r:id="rId8"/>
-    <p:sldId id="280" r:id="rId9"/>
+    <p:sldId id="281" r:id="rId9"/>
     <p:sldId id="259" r:id="rId10"/>
     <p:sldId id="256" r:id="rId11"/>
     <p:sldId id="270" r:id="rId12"/>
@@ -214,7 +214,7 @@
           <a:p>
             <a:fld id="{0E990FE3-7537-4D15-A9F5-FDF1805FD5F8}" type="datetimeFigureOut">
               <a:rPr lang="en-US" smtClean="0"/>
-              <a:t>10/12/2015</a:t>
+              <a:t>18/12/2015</a:t>
             </a:fld>
             <a:endParaRPr lang="en-US"/>
           </a:p>
@@ -826,97 +826,6 @@
 </file>
 
 <file path=ppt/slideLayouts/slideLayout10.xml><?xml version="1.0" encoding="utf-8"?>
-<p:sldLayout xmlns:a="http://schemas.openxmlformats.org/drawingml/2006/main" xmlns:r="http://schemas.openxmlformats.org/officeDocument/2006/relationships" xmlns:p="http://schemas.openxmlformats.org/presentationml/2006/main" type="titleOnly" preserve="1">
-  <p:cSld name="Title Only">
-    <p:spTree>
-      <p:nvGrpSpPr>
-        <p:cNvPr id="1" name=""/>
-        <p:cNvGrpSpPr/>
-        <p:nvPr/>
-      </p:nvGrpSpPr>
-      <p:grpSpPr>
-        <a:xfrm>
-          <a:off x="0" y="0"/>
-          <a:ext cx="0" cy="0"/>
-          <a:chOff x="0" y="0"/>
-          <a:chExt cx="0" cy="0"/>
-        </a:xfrm>
-      </p:grpSpPr>
-      <p:sp>
-        <p:nvSpPr>
-          <p:cNvPr id="2" name="Title 1"/>
-          <p:cNvSpPr>
-            <a:spLocks noGrp="1"/>
-          </p:cNvSpPr>
-          <p:nvPr>
-            <p:ph type="title"/>
-          </p:nvPr>
-        </p:nvSpPr>
-        <p:spPr/>
-        <p:txBody>
-          <a:bodyPr/>
-          <a:lstStyle/>
-          <a:p>
-            <a:r>
-              <a:rPr lang="en-US" smtClean="0"/>
-              <a:t>Click to edit Master title style</a:t>
-            </a:r>
-            <a:endParaRPr lang="en-US"/>
-          </a:p>
-        </p:txBody>
-      </p:sp>
-      <p:sp>
-        <p:nvSpPr>
-          <p:cNvPr id="5" name="Slide Number Placeholder 4"/>
-          <p:cNvSpPr>
-            <a:spLocks noGrp="1"/>
-          </p:cNvSpPr>
-          <p:nvPr>
-            <p:ph type="sldNum" sz="quarter" idx="12"/>
-          </p:nvPr>
-        </p:nvSpPr>
-        <p:spPr>
-          <a:xfrm>
-            <a:off x="8897420" y="6256216"/>
-            <a:ext cx="2743200" cy="365125"/>
-          </a:xfrm>
-          <a:prstGeom prst="rect">
-            <a:avLst/>
-          </a:prstGeom>
-        </p:spPr>
-        <p:txBody>
-          <a:bodyPr/>
-          <a:lstStyle/>
-          <a:p>
-            <a:fld id="{0A164282-434E-41D4-9582-783D542A7B68}" type="slidenum">
-              <a:rPr lang="en-US" smtClean="0"/>
-              <a:t>‹#›</a:t>
-            </a:fld>
-            <a:endParaRPr lang="en-US"/>
-          </a:p>
-        </p:txBody>
-      </p:sp>
-    </p:spTree>
-    <p:extLst>
-      <p:ext uri="{BB962C8B-B14F-4D97-AF65-F5344CB8AC3E}">
-        <p14:creationId xmlns:p14="http://schemas.microsoft.com/office/powerpoint/2010/main" val="1784561578"/>
-      </p:ext>
-    </p:extLst>
-  </p:cSld>
-  <p:clrMapOvr>
-    <a:masterClrMapping/>
-  </p:clrMapOvr>
-  <p:timing>
-    <p:tnLst>
-      <p:par>
-        <p:cTn id="1" dur="indefinite" restart="never" nodeType="tmRoot"/>
-      </p:par>
-    </p:tnLst>
-  </p:timing>
-</p:sldLayout>
-</file>
-
-<file path=ppt/slideLayouts/slideLayout11.xml><?xml version="1.0" encoding="utf-8"?>
 <p:sldLayout xmlns:a="http://schemas.openxmlformats.org/drawingml/2006/main" xmlns:r="http://schemas.openxmlformats.org/officeDocument/2006/relationships" xmlns:p="http://schemas.openxmlformats.org/presentationml/2006/main" preserve="1" userDrawn="1">
   <p:cSld name="1_Title Only">
     <p:spTree>
@@ -1026,28 +935,28 @@
                 <a:gridCol w="2764105">
                   <a:extLst>
                     <a:ext uri="{9D8B030D-6E8A-4147-A177-3AD203B41FA5}">
-                      <a16:colId xmlns:a16="http://schemas.microsoft.com/office/drawing/2014/main" val="20000"/>
+                      <a16:colId xmlns:a16="http://schemas.microsoft.com/office/drawing/2014/main" xmlns="" val="20000"/>
                     </a:ext>
                   </a:extLst>
                 </a:gridCol>
                 <a:gridCol w="2764105">
                   <a:extLst>
                     <a:ext uri="{9D8B030D-6E8A-4147-A177-3AD203B41FA5}">
-                      <a16:colId xmlns:a16="http://schemas.microsoft.com/office/drawing/2014/main" val="20001"/>
+                      <a16:colId xmlns:a16="http://schemas.microsoft.com/office/drawing/2014/main" xmlns="" val="20001"/>
                     </a:ext>
                   </a:extLst>
                 </a:gridCol>
                 <a:gridCol w="2764105">
                   <a:extLst>
                     <a:ext uri="{9D8B030D-6E8A-4147-A177-3AD203B41FA5}">
-                      <a16:colId xmlns:a16="http://schemas.microsoft.com/office/drawing/2014/main" val="20002"/>
+                      <a16:colId xmlns:a16="http://schemas.microsoft.com/office/drawing/2014/main" xmlns="" val="20002"/>
                     </a:ext>
                   </a:extLst>
                 </a:gridCol>
                 <a:gridCol w="2764105">
                   <a:extLst>
                     <a:ext uri="{9D8B030D-6E8A-4147-A177-3AD203B41FA5}">
-                      <a16:colId xmlns:a16="http://schemas.microsoft.com/office/drawing/2014/main" val="20003"/>
+                      <a16:colId xmlns:a16="http://schemas.microsoft.com/office/drawing/2014/main" xmlns="" val="20003"/>
                     </a:ext>
                   </a:extLst>
                 </a:gridCol>
@@ -1227,7 +1136,7 @@
                 </a:tc>
                 <a:extLst>
                   <a:ext uri="{0D108BD9-81ED-4DB2-BD59-A6C34878D82A}">
-                    <a16:rowId xmlns:a16="http://schemas.microsoft.com/office/drawing/2014/main" val="10000"/>
+                    <a16:rowId xmlns:a16="http://schemas.microsoft.com/office/drawing/2014/main" xmlns="" val="10000"/>
                   </a:ext>
                 </a:extLst>
               </a:tr>
@@ -1463,7 +1372,7 @@
                 </a:tc>
                 <a:extLst>
                   <a:ext uri="{0D108BD9-81ED-4DB2-BD59-A6C34878D82A}">
-                    <a16:rowId xmlns:a16="http://schemas.microsoft.com/office/drawing/2014/main" val="10001"/>
+                    <a16:rowId xmlns:a16="http://schemas.microsoft.com/office/drawing/2014/main" xmlns="" val="10001"/>
                   </a:ext>
                 </a:extLst>
               </a:tr>
@@ -1718,7 +1627,7 @@
                 </a:tc>
                 <a:extLst>
                   <a:ext uri="{0D108BD9-81ED-4DB2-BD59-A6C34878D82A}">
-                    <a16:rowId xmlns:a16="http://schemas.microsoft.com/office/drawing/2014/main" val="10002"/>
+                    <a16:rowId xmlns:a16="http://schemas.microsoft.com/office/drawing/2014/main" xmlns="" val="10002"/>
                   </a:ext>
                 </a:extLst>
               </a:tr>
@@ -1973,7 +1882,7 @@
                 </a:tc>
                 <a:extLst>
                   <a:ext uri="{0D108BD9-81ED-4DB2-BD59-A6C34878D82A}">
-                    <a16:rowId xmlns:a16="http://schemas.microsoft.com/office/drawing/2014/main" val="10003"/>
+                    <a16:rowId xmlns:a16="http://schemas.microsoft.com/office/drawing/2014/main" xmlns="" val="10003"/>
                   </a:ext>
                 </a:extLst>
               </a:tr>
@@ -2001,7 +1910,7 @@
 </p:sldLayout>
 </file>
 
-<file path=ppt/slideLayouts/slideLayout12.xml><?xml version="1.0" encoding="utf-8"?>
+<file path=ppt/slideLayouts/slideLayout11.xml><?xml version="1.0" encoding="utf-8"?>
 <p:sldLayout xmlns:a="http://schemas.openxmlformats.org/drawingml/2006/main" xmlns:r="http://schemas.openxmlformats.org/officeDocument/2006/relationships" xmlns:p="http://schemas.openxmlformats.org/presentationml/2006/main" type="blank" preserve="1">
   <p:cSld name="Blank">
     <p:spTree>
@@ -2069,7 +1978,7 @@
 </p:sldLayout>
 </file>
 
-<file path=ppt/slideLayouts/slideLayout13.xml><?xml version="1.0" encoding="utf-8"?>
+<file path=ppt/slideLayouts/slideLayout12.xml><?xml version="1.0" encoding="utf-8"?>
 <p:sldLayout xmlns:a="http://schemas.openxmlformats.org/drawingml/2006/main" xmlns:r="http://schemas.openxmlformats.org/officeDocument/2006/relationships" xmlns:p="http://schemas.openxmlformats.org/presentationml/2006/main" type="blank" preserve="1">
   <p:cSld name="1_Blank">
     <p:spTree>
@@ -2106,7 +2015,7 @@
 </p:sldLayout>
 </file>
 
-<file path=ppt/slideLayouts/slideLayout14.xml><?xml version="1.0" encoding="utf-8"?>
+<file path=ppt/slideLayouts/slideLayout13.xml><?xml version="1.0" encoding="utf-8"?>
 <p:sldLayout xmlns:a="http://schemas.openxmlformats.org/drawingml/2006/main" xmlns:r="http://schemas.openxmlformats.org/officeDocument/2006/relationships" xmlns:p="http://schemas.openxmlformats.org/presentationml/2006/main" type="objTx" preserve="1">
   <p:cSld name="Content with Caption">
     <p:spTree>
@@ -2370,7 +2279,7 @@
 </p:sldLayout>
 </file>
 
-<file path=ppt/slideLayouts/slideLayout15.xml><?xml version="1.0" encoding="utf-8"?>
+<file path=ppt/slideLayouts/slideLayout14.xml><?xml version="1.0" encoding="utf-8"?>
 <p:sldLayout xmlns:a="http://schemas.openxmlformats.org/drawingml/2006/main" xmlns:r="http://schemas.openxmlformats.org/officeDocument/2006/relationships" xmlns:p="http://schemas.openxmlformats.org/presentationml/2006/main" type="title" preserve="1">
   <p:cSld name="Title Slide">
     <p:bg>
@@ -2514,7 +2423,7 @@
 </p:sldLayout>
 </file>
 
-<file path=ppt/slideLayouts/slideLayout16.xml><?xml version="1.0" encoding="utf-8"?>
+<file path=ppt/slideLayouts/slideLayout15.xml><?xml version="1.0" encoding="utf-8"?>
 <p:sldLayout xmlns:a="http://schemas.openxmlformats.org/drawingml/2006/main" xmlns:r="http://schemas.openxmlformats.org/officeDocument/2006/relationships" xmlns:p="http://schemas.openxmlformats.org/presentationml/2006/main" type="obj" preserve="1">
   <p:cSld name="Title and Content">
     <p:bg>
@@ -2665,7 +2574,7 @@
 </p:sldLayout>
 </file>
 
-<file path=ppt/slideLayouts/slideLayout17.xml><?xml version="1.0" encoding="utf-8"?>
+<file path=ppt/slideLayouts/slideLayout16.xml><?xml version="1.0" encoding="utf-8"?>
 <p:sldLayout xmlns:a="http://schemas.openxmlformats.org/drawingml/2006/main" xmlns:r="http://schemas.openxmlformats.org/officeDocument/2006/relationships" xmlns:p="http://schemas.openxmlformats.org/presentationml/2006/main" preserve="1" userDrawn="1">
   <p:cSld name="1_Title and Content">
     <p:spTree>
@@ -2853,7 +2762,7 @@
 </p:sldLayout>
 </file>
 
-<file path=ppt/slideLayouts/slideLayout18.xml><?xml version="1.0" encoding="utf-8"?>
+<file path=ppt/slideLayouts/slideLayout17.xml><?xml version="1.0" encoding="utf-8"?>
 <p:sldLayout xmlns:a="http://schemas.openxmlformats.org/drawingml/2006/main" xmlns:r="http://schemas.openxmlformats.org/officeDocument/2006/relationships" xmlns:p="http://schemas.openxmlformats.org/presentationml/2006/main" type="titleOnly" preserve="1">
   <p:cSld name="Title Only">
     <p:bg>
@@ -2952,7 +2861,7 @@
 </p:sldLayout>
 </file>
 
-<file path=ppt/slideLayouts/slideLayout19.xml><?xml version="1.0" encoding="utf-8"?>
+<file path=ppt/slideLayouts/slideLayout18.xml><?xml version="1.0" encoding="utf-8"?>
 <p:sldLayout xmlns:a="http://schemas.openxmlformats.org/drawingml/2006/main" xmlns:r="http://schemas.openxmlformats.org/officeDocument/2006/relationships" xmlns:p="http://schemas.openxmlformats.org/presentationml/2006/main" preserve="1" userDrawn="1">
   <p:cSld name="1_Title Only">
     <p:spTree>
@@ -3062,28 +2971,28 @@
                 <a:gridCol w="2764105">
                   <a:extLst>
                     <a:ext uri="{9D8B030D-6E8A-4147-A177-3AD203B41FA5}">
-                      <a16:colId xmlns:a16="http://schemas.microsoft.com/office/drawing/2014/main" val="20000"/>
+                      <a16:colId xmlns:a16="http://schemas.microsoft.com/office/drawing/2014/main" xmlns="" val="20000"/>
                     </a:ext>
                   </a:extLst>
                 </a:gridCol>
                 <a:gridCol w="2764105">
                   <a:extLst>
                     <a:ext uri="{9D8B030D-6E8A-4147-A177-3AD203B41FA5}">
-                      <a16:colId xmlns:a16="http://schemas.microsoft.com/office/drawing/2014/main" val="20001"/>
+                      <a16:colId xmlns:a16="http://schemas.microsoft.com/office/drawing/2014/main" xmlns="" val="20001"/>
                     </a:ext>
                   </a:extLst>
                 </a:gridCol>
                 <a:gridCol w="2764105">
                   <a:extLst>
                     <a:ext uri="{9D8B030D-6E8A-4147-A177-3AD203B41FA5}">
-                      <a16:colId xmlns:a16="http://schemas.microsoft.com/office/drawing/2014/main" val="20002"/>
+                      <a16:colId xmlns:a16="http://schemas.microsoft.com/office/drawing/2014/main" xmlns="" val="20002"/>
                     </a:ext>
                   </a:extLst>
                 </a:gridCol>
                 <a:gridCol w="2764105">
                   <a:extLst>
                     <a:ext uri="{9D8B030D-6E8A-4147-A177-3AD203B41FA5}">
-                      <a16:colId xmlns:a16="http://schemas.microsoft.com/office/drawing/2014/main" val="20003"/>
+                      <a16:colId xmlns:a16="http://schemas.microsoft.com/office/drawing/2014/main" xmlns="" val="20003"/>
                     </a:ext>
                   </a:extLst>
                 </a:gridCol>
@@ -3247,7 +3156,7 @@
                 </a:tc>
                 <a:extLst>
                   <a:ext uri="{0D108BD9-81ED-4DB2-BD59-A6C34878D82A}">
-                    <a16:rowId xmlns:a16="http://schemas.microsoft.com/office/drawing/2014/main" val="10000"/>
+                    <a16:rowId xmlns:a16="http://schemas.microsoft.com/office/drawing/2014/main" xmlns="" val="10000"/>
                   </a:ext>
                 </a:extLst>
               </a:tr>
@@ -3467,7 +3376,7 @@
                 </a:tc>
                 <a:extLst>
                   <a:ext uri="{0D108BD9-81ED-4DB2-BD59-A6C34878D82A}">
-                    <a16:rowId xmlns:a16="http://schemas.microsoft.com/office/drawing/2014/main" val="10001"/>
+                    <a16:rowId xmlns:a16="http://schemas.microsoft.com/office/drawing/2014/main" xmlns="" val="10001"/>
                   </a:ext>
                 </a:extLst>
               </a:tr>
@@ -3706,7 +3615,7 @@
                 </a:tc>
                 <a:extLst>
                   <a:ext uri="{0D108BD9-81ED-4DB2-BD59-A6C34878D82A}">
-                    <a16:rowId xmlns:a16="http://schemas.microsoft.com/office/drawing/2014/main" val="10002"/>
+                    <a16:rowId xmlns:a16="http://schemas.microsoft.com/office/drawing/2014/main" xmlns="" val="10002"/>
                   </a:ext>
                 </a:extLst>
               </a:tr>
@@ -3945,7 +3854,7 @@
                 </a:tc>
                 <a:extLst>
                   <a:ext uri="{0D108BD9-81ED-4DB2-BD59-A6C34878D82A}">
-                    <a16:rowId xmlns:a16="http://schemas.microsoft.com/office/drawing/2014/main" val="10003"/>
+                    <a16:rowId xmlns:a16="http://schemas.microsoft.com/office/drawing/2014/main" xmlns="" val="10003"/>
                   </a:ext>
                 </a:extLst>
               </a:tr>
@@ -3957,6 +3866,82 @@
     <p:extLst>
       <p:ext uri="{BB962C8B-B14F-4D97-AF65-F5344CB8AC3E}">
         <p14:creationId xmlns:p14="http://schemas.microsoft.com/office/powerpoint/2010/main" val="2983389349"/>
+      </p:ext>
+    </p:extLst>
+  </p:cSld>
+  <p:clrMapOvr>
+    <a:masterClrMapping/>
+  </p:clrMapOvr>
+  <p:timing>
+    <p:tnLst>
+      <p:par>
+        <p:cTn id="1" dur="indefinite" restart="never" nodeType="tmRoot"/>
+      </p:par>
+    </p:tnLst>
+  </p:timing>
+</p:sldLayout>
+</file>
+
+<file path=ppt/slideLayouts/slideLayout19.xml><?xml version="1.0" encoding="utf-8"?>
+<p:sldLayout xmlns:a="http://schemas.openxmlformats.org/drawingml/2006/main" xmlns:r="http://schemas.openxmlformats.org/officeDocument/2006/relationships" xmlns:p="http://schemas.openxmlformats.org/presentationml/2006/main" type="blank" preserve="1">
+  <p:cSld name="Blank">
+    <p:bg>
+      <p:bgPr>
+        <a:solidFill>
+          <a:srgbClr val="80B940"/>
+        </a:solidFill>
+        <a:effectLst/>
+      </p:bgPr>
+    </p:bg>
+    <p:spTree>
+      <p:nvGrpSpPr>
+        <p:cNvPr id="1" name=""/>
+        <p:cNvGrpSpPr/>
+        <p:nvPr/>
+      </p:nvGrpSpPr>
+      <p:grpSpPr>
+        <a:xfrm>
+          <a:off x="0" y="0"/>
+          <a:ext cx="0" cy="0"/>
+          <a:chOff x="0" y="0"/>
+          <a:chExt cx="0" cy="0"/>
+        </a:xfrm>
+      </p:grpSpPr>
+      <p:sp>
+        <p:nvSpPr>
+          <p:cNvPr id="4" name="Slide Number Placeholder 3"/>
+          <p:cNvSpPr>
+            <a:spLocks noGrp="1"/>
+          </p:cNvSpPr>
+          <p:nvPr>
+            <p:ph type="sldNum" sz="quarter" idx="12"/>
+          </p:nvPr>
+        </p:nvSpPr>
+        <p:spPr>
+          <a:xfrm>
+            <a:off x="8903414" y="6256216"/>
+            <a:ext cx="2743200" cy="365125"/>
+          </a:xfrm>
+          <a:prstGeom prst="rect">
+            <a:avLst/>
+          </a:prstGeom>
+        </p:spPr>
+        <p:txBody>
+          <a:bodyPr/>
+          <a:lstStyle/>
+          <a:p>
+            <a:fld id="{0A164282-434E-41D4-9582-783D542A7B68}" type="slidenum">
+              <a:rPr lang="en-US" smtClean="0"/>
+              <a:t>‹#›</a:t>
+            </a:fld>
+            <a:endParaRPr lang="en-US"/>
+          </a:p>
+        </p:txBody>
+      </p:sp>
+    </p:spTree>
+    <p:extLst>
+      <p:ext uri="{BB962C8B-B14F-4D97-AF65-F5344CB8AC3E}">
+        <p14:creationId xmlns:p14="http://schemas.microsoft.com/office/powerpoint/2010/main" val="2043754996"/>
       </p:ext>
     </p:extLst>
   </p:cSld>
@@ -4086,82 +4071,6 @@
 
 <file path=ppt/slideLayouts/slideLayout20.xml><?xml version="1.0" encoding="utf-8"?>
 <p:sldLayout xmlns:a="http://schemas.openxmlformats.org/drawingml/2006/main" xmlns:r="http://schemas.openxmlformats.org/officeDocument/2006/relationships" xmlns:p="http://schemas.openxmlformats.org/presentationml/2006/main" type="blank" preserve="1">
-  <p:cSld name="Blank">
-    <p:bg>
-      <p:bgPr>
-        <a:solidFill>
-          <a:srgbClr val="80B940"/>
-        </a:solidFill>
-        <a:effectLst/>
-      </p:bgPr>
-    </p:bg>
-    <p:spTree>
-      <p:nvGrpSpPr>
-        <p:cNvPr id="1" name=""/>
-        <p:cNvGrpSpPr/>
-        <p:nvPr/>
-      </p:nvGrpSpPr>
-      <p:grpSpPr>
-        <a:xfrm>
-          <a:off x="0" y="0"/>
-          <a:ext cx="0" cy="0"/>
-          <a:chOff x="0" y="0"/>
-          <a:chExt cx="0" cy="0"/>
-        </a:xfrm>
-      </p:grpSpPr>
-      <p:sp>
-        <p:nvSpPr>
-          <p:cNvPr id="4" name="Slide Number Placeholder 3"/>
-          <p:cNvSpPr>
-            <a:spLocks noGrp="1"/>
-          </p:cNvSpPr>
-          <p:nvPr>
-            <p:ph type="sldNum" sz="quarter" idx="12"/>
-          </p:nvPr>
-        </p:nvSpPr>
-        <p:spPr>
-          <a:xfrm>
-            <a:off x="8903414" y="6256216"/>
-            <a:ext cx="2743200" cy="365125"/>
-          </a:xfrm>
-          <a:prstGeom prst="rect">
-            <a:avLst/>
-          </a:prstGeom>
-        </p:spPr>
-        <p:txBody>
-          <a:bodyPr/>
-          <a:lstStyle/>
-          <a:p>
-            <a:fld id="{0A164282-434E-41D4-9582-783D542A7B68}" type="slidenum">
-              <a:rPr lang="en-US" smtClean="0"/>
-              <a:t>‹#›</a:t>
-            </a:fld>
-            <a:endParaRPr lang="en-US"/>
-          </a:p>
-        </p:txBody>
-      </p:sp>
-    </p:spTree>
-    <p:extLst>
-      <p:ext uri="{BB962C8B-B14F-4D97-AF65-F5344CB8AC3E}">
-        <p14:creationId xmlns:p14="http://schemas.microsoft.com/office/powerpoint/2010/main" val="2043754996"/>
-      </p:ext>
-    </p:extLst>
-  </p:cSld>
-  <p:clrMapOvr>
-    <a:masterClrMapping/>
-  </p:clrMapOvr>
-  <p:timing>
-    <p:tnLst>
-      <p:par>
-        <p:cTn id="1" dur="indefinite" restart="never" nodeType="tmRoot"/>
-      </p:par>
-    </p:tnLst>
-  </p:timing>
-</p:sldLayout>
-</file>
-
-<file path=ppt/slideLayouts/slideLayout21.xml><?xml version="1.0" encoding="utf-8"?>
-<p:sldLayout xmlns:a="http://schemas.openxmlformats.org/drawingml/2006/main" xmlns:r="http://schemas.openxmlformats.org/officeDocument/2006/relationships" xmlns:p="http://schemas.openxmlformats.org/presentationml/2006/main" type="blank" preserve="1">
   <p:cSld name="1_Blank">
     <p:bg>
       <p:bgPr>
@@ -4205,7 +4114,7 @@
 </p:sldLayout>
 </file>
 
-<file path=ppt/slideLayouts/slideLayout22.xml><?xml version="1.0" encoding="utf-8"?>
+<file path=ppt/slideLayouts/slideLayout21.xml><?xml version="1.0" encoding="utf-8"?>
 <p:sldLayout xmlns:a="http://schemas.openxmlformats.org/drawingml/2006/main" xmlns:r="http://schemas.openxmlformats.org/officeDocument/2006/relationships" xmlns:p="http://schemas.openxmlformats.org/presentationml/2006/main" type="objTx" preserve="1">
   <p:cSld name="Content with Caption">
     <p:bg>
@@ -4477,7 +4386,7 @@
 </p:sldLayout>
 </file>
 
-<file path=ppt/slideLayouts/slideLayout23.xml><?xml version="1.0" encoding="utf-8"?>
+<file path=ppt/slideLayouts/slideLayout22.xml><?xml version="1.0" encoding="utf-8"?>
 <p:sldLayout xmlns:a="http://schemas.openxmlformats.org/drawingml/2006/main" xmlns:r="http://schemas.openxmlformats.org/officeDocument/2006/relationships" xmlns:p="http://schemas.openxmlformats.org/presentationml/2006/main" type="title" preserve="1">
   <p:cSld name="Title Slide">
     <p:bg>
@@ -4621,7 +4530,7 @@
 </p:sldLayout>
 </file>
 
-<file path=ppt/slideLayouts/slideLayout24.xml><?xml version="1.0" encoding="utf-8"?>
+<file path=ppt/slideLayouts/slideLayout23.xml><?xml version="1.0" encoding="utf-8"?>
 <p:sldLayout xmlns:a="http://schemas.openxmlformats.org/drawingml/2006/main" xmlns:r="http://schemas.openxmlformats.org/officeDocument/2006/relationships" xmlns:p="http://schemas.openxmlformats.org/presentationml/2006/main" type="obj" preserve="1">
   <p:cSld name="Title and Content">
     <p:bg>
@@ -4772,7 +4681,7 @@
 </p:sldLayout>
 </file>
 
-<file path=ppt/slideLayouts/slideLayout25.xml><?xml version="1.0" encoding="utf-8"?>
+<file path=ppt/slideLayouts/slideLayout24.xml><?xml version="1.0" encoding="utf-8"?>
 <p:sldLayout xmlns:a="http://schemas.openxmlformats.org/drawingml/2006/main" xmlns:r="http://schemas.openxmlformats.org/officeDocument/2006/relationships" xmlns:p="http://schemas.openxmlformats.org/presentationml/2006/main" preserve="1" userDrawn="1">
   <p:cSld name="1_Title and Content">
     <p:spTree>
@@ -4960,7 +4869,7 @@
 </p:sldLayout>
 </file>
 
-<file path=ppt/slideLayouts/slideLayout26.xml><?xml version="1.0" encoding="utf-8"?>
+<file path=ppt/slideLayouts/slideLayout25.xml><?xml version="1.0" encoding="utf-8"?>
 <p:sldLayout xmlns:a="http://schemas.openxmlformats.org/drawingml/2006/main" xmlns:r="http://schemas.openxmlformats.org/officeDocument/2006/relationships" xmlns:p="http://schemas.openxmlformats.org/presentationml/2006/main" type="titleOnly" preserve="1">
   <p:cSld name="Title Only">
     <p:bg>
@@ -5059,7 +4968,7 @@
 </p:sldLayout>
 </file>
 
-<file path=ppt/slideLayouts/slideLayout27.xml><?xml version="1.0" encoding="utf-8"?>
+<file path=ppt/slideLayouts/slideLayout26.xml><?xml version="1.0" encoding="utf-8"?>
 <p:sldLayout xmlns:a="http://schemas.openxmlformats.org/drawingml/2006/main" xmlns:r="http://schemas.openxmlformats.org/officeDocument/2006/relationships" xmlns:p="http://schemas.openxmlformats.org/presentationml/2006/main" preserve="1" userDrawn="1">
   <p:cSld name="1_Title Only">
     <p:spTree>
@@ -5169,28 +5078,28 @@
                 <a:gridCol w="2764105">
                   <a:extLst>
                     <a:ext uri="{9D8B030D-6E8A-4147-A177-3AD203B41FA5}">
-                      <a16:colId xmlns:a16="http://schemas.microsoft.com/office/drawing/2014/main" val="20000"/>
+                      <a16:colId xmlns:a16="http://schemas.microsoft.com/office/drawing/2014/main" xmlns="" val="20000"/>
                     </a:ext>
                   </a:extLst>
                 </a:gridCol>
                 <a:gridCol w="2764105">
                   <a:extLst>
                     <a:ext uri="{9D8B030D-6E8A-4147-A177-3AD203B41FA5}">
-                      <a16:colId xmlns:a16="http://schemas.microsoft.com/office/drawing/2014/main" val="20001"/>
+                      <a16:colId xmlns:a16="http://schemas.microsoft.com/office/drawing/2014/main" xmlns="" val="20001"/>
                     </a:ext>
                   </a:extLst>
                 </a:gridCol>
                 <a:gridCol w="2764105">
                   <a:extLst>
                     <a:ext uri="{9D8B030D-6E8A-4147-A177-3AD203B41FA5}">
-                      <a16:colId xmlns:a16="http://schemas.microsoft.com/office/drawing/2014/main" val="20002"/>
+                      <a16:colId xmlns:a16="http://schemas.microsoft.com/office/drawing/2014/main" xmlns="" val="20002"/>
                     </a:ext>
                   </a:extLst>
                 </a:gridCol>
                 <a:gridCol w="2764105">
                   <a:extLst>
                     <a:ext uri="{9D8B030D-6E8A-4147-A177-3AD203B41FA5}">
-                      <a16:colId xmlns:a16="http://schemas.microsoft.com/office/drawing/2014/main" val="20003"/>
+                      <a16:colId xmlns:a16="http://schemas.microsoft.com/office/drawing/2014/main" xmlns="" val="20003"/>
                     </a:ext>
                   </a:extLst>
                 </a:gridCol>
@@ -5366,7 +5275,7 @@
                 </a:tc>
                 <a:extLst>
                   <a:ext uri="{0D108BD9-81ED-4DB2-BD59-A6C34878D82A}">
-                    <a16:rowId xmlns:a16="http://schemas.microsoft.com/office/drawing/2014/main" val="10000"/>
+                    <a16:rowId xmlns:a16="http://schemas.microsoft.com/office/drawing/2014/main" xmlns="" val="10000"/>
                   </a:ext>
                 </a:extLst>
               </a:tr>
@@ -5598,7 +5507,7 @@
                 </a:tc>
                 <a:extLst>
                   <a:ext uri="{0D108BD9-81ED-4DB2-BD59-A6C34878D82A}">
-                    <a16:rowId xmlns:a16="http://schemas.microsoft.com/office/drawing/2014/main" val="10001"/>
+                    <a16:rowId xmlns:a16="http://schemas.microsoft.com/office/drawing/2014/main" xmlns="" val="10001"/>
                   </a:ext>
                 </a:extLst>
               </a:tr>
@@ -5857,7 +5766,7 @@
                 </a:tc>
                 <a:extLst>
                   <a:ext uri="{0D108BD9-81ED-4DB2-BD59-A6C34878D82A}">
-                    <a16:rowId xmlns:a16="http://schemas.microsoft.com/office/drawing/2014/main" val="10002"/>
+                    <a16:rowId xmlns:a16="http://schemas.microsoft.com/office/drawing/2014/main" xmlns="" val="10002"/>
                   </a:ext>
                 </a:extLst>
               </a:tr>
@@ -6108,7 +6017,7 @@
                 </a:tc>
                 <a:extLst>
                   <a:ext uri="{0D108BD9-81ED-4DB2-BD59-A6C34878D82A}">
-                    <a16:rowId xmlns:a16="http://schemas.microsoft.com/office/drawing/2014/main" val="10003"/>
+                    <a16:rowId xmlns:a16="http://schemas.microsoft.com/office/drawing/2014/main" xmlns="" val="10003"/>
                   </a:ext>
                 </a:extLst>
               </a:tr>
@@ -6136,7 +6045,7 @@
 </p:sldLayout>
 </file>
 
-<file path=ppt/slideLayouts/slideLayout28.xml><?xml version="1.0" encoding="utf-8"?>
+<file path=ppt/slideLayouts/slideLayout27.xml><?xml version="1.0" encoding="utf-8"?>
 <p:sldLayout xmlns:a="http://schemas.openxmlformats.org/drawingml/2006/main" xmlns:r="http://schemas.openxmlformats.org/officeDocument/2006/relationships" xmlns:p="http://schemas.openxmlformats.org/presentationml/2006/main" type="blank" preserve="1">
   <p:cSld name="Blank">
     <p:bg>
@@ -6212,7 +6121,7 @@
 </p:sldLayout>
 </file>
 
-<file path=ppt/slideLayouts/slideLayout29.xml><?xml version="1.0" encoding="utf-8"?>
+<file path=ppt/slideLayouts/slideLayout28.xml><?xml version="1.0" encoding="utf-8"?>
 <p:sldLayout xmlns:a="http://schemas.openxmlformats.org/drawingml/2006/main" xmlns:r="http://schemas.openxmlformats.org/officeDocument/2006/relationships" xmlns:p="http://schemas.openxmlformats.org/presentationml/2006/main" type="blank" preserve="1">
   <p:cSld name="1_Blank">
     <p:bg>
@@ -6257,118 +6166,7 @@
 </p:sldLayout>
 </file>
 
-<file path=ppt/slideLayouts/slideLayout3.xml><?xml version="1.0" encoding="utf-8"?>
-<p:sldLayout xmlns:a="http://schemas.openxmlformats.org/drawingml/2006/main" xmlns:r="http://schemas.openxmlformats.org/officeDocument/2006/relationships" xmlns:p="http://schemas.openxmlformats.org/presentationml/2006/main" preserve="1" userDrawn="1">
-  <p:cSld name="2_Custom Layout">
-    <p:bg>
-      <p:bgPr>
-        <a:solidFill>
-          <a:srgbClr val="1D4380"/>
-        </a:solidFill>
-        <a:effectLst/>
-      </p:bgPr>
-    </p:bg>
-    <p:spTree>
-      <p:nvGrpSpPr>
-        <p:cNvPr id="1" name=""/>
-        <p:cNvGrpSpPr/>
-        <p:nvPr/>
-      </p:nvGrpSpPr>
-      <p:grpSpPr>
-        <a:xfrm>
-          <a:off x="0" y="0"/>
-          <a:ext cx="0" cy="0"/>
-          <a:chOff x="0" y="0"/>
-          <a:chExt cx="0" cy="0"/>
-        </a:xfrm>
-      </p:grpSpPr>
-      <p:sp>
-        <p:nvSpPr>
-          <p:cNvPr id="4" name="Title 3"/>
-          <p:cNvSpPr>
-            <a:spLocks noGrp="1"/>
-          </p:cNvSpPr>
-          <p:nvPr>
-            <p:ph type="title"/>
-          </p:nvPr>
-        </p:nvSpPr>
-        <p:spPr/>
-        <p:txBody>
-          <a:bodyPr anchor="b"/>
-          <a:lstStyle/>
-          <a:p>
-            <a:r>
-              <a:rPr lang="en-US" smtClean="0"/>
-              <a:t>Click to edit Master title style</a:t>
-            </a:r>
-            <a:endParaRPr lang="en-US"/>
-          </a:p>
-        </p:txBody>
-      </p:sp>
-      <p:sp>
-        <p:nvSpPr>
-          <p:cNvPr id="6" name="Text Placeholder 5"/>
-          <p:cNvSpPr>
-            <a:spLocks noGrp="1"/>
-          </p:cNvSpPr>
-          <p:nvPr>
-            <p:ph type="body" sz="quarter" idx="10" hasCustomPrompt="1"/>
-          </p:nvPr>
-        </p:nvSpPr>
-        <p:spPr>
-          <a:xfrm>
-            <a:off x="6638425" y="5517221"/>
-            <a:ext cx="5013325" cy="1026863"/>
-          </a:xfrm>
-        </p:spPr>
-        <p:txBody>
-          <a:bodyPr/>
-          <a:lstStyle>
-            <a:lvl1pPr>
-              <a:defRPr>
-                <a:solidFill>
-                  <a:srgbClr val="289FD7"/>
-                </a:solidFill>
-              </a:defRPr>
-            </a:lvl1pPr>
-          </a:lstStyle>
-          <a:p>
-            <a:pPr lvl="0"/>
-            <a:r>
-              <a:rPr lang="en-US" dirty="0" smtClean="0"/>
-              <a:t>Presenter Name</a:t>
-            </a:r>
-          </a:p>
-          <a:p>
-            <a:pPr lvl="0"/>
-            <a:r>
-              <a:rPr lang="en-US" dirty="0" smtClean="0"/>
-              <a:t>Title/role</a:t>
-            </a:r>
-          </a:p>
-        </p:txBody>
-      </p:sp>
-    </p:spTree>
-    <p:extLst>
-      <p:ext uri="{BB962C8B-B14F-4D97-AF65-F5344CB8AC3E}">
-        <p14:creationId xmlns:p14="http://schemas.microsoft.com/office/powerpoint/2010/main" val="991024635"/>
-      </p:ext>
-    </p:extLst>
-  </p:cSld>
-  <p:clrMapOvr>
-    <a:masterClrMapping/>
-  </p:clrMapOvr>
-  <p:timing>
-    <p:tnLst>
-      <p:par>
-        <p:cTn id="1" dur="indefinite" restart="never" nodeType="tmRoot"/>
-      </p:par>
-    </p:tnLst>
-  </p:timing>
-</p:sldLayout>
-</file>
-
-<file path=ppt/slideLayouts/slideLayout30.xml><?xml version="1.0" encoding="utf-8"?>
+<file path=ppt/slideLayouts/slideLayout29.xml><?xml version="1.0" encoding="utf-8"?>
 <p:sldLayout xmlns:a="http://schemas.openxmlformats.org/drawingml/2006/main" xmlns:r="http://schemas.openxmlformats.org/officeDocument/2006/relationships" xmlns:p="http://schemas.openxmlformats.org/presentationml/2006/main" type="objTx" preserve="1">
   <p:cSld name="Content with Caption">
     <p:bg>
@@ -6640,7 +6438,118 @@
 </p:sldLayout>
 </file>
 
-<file path=ppt/slideLayouts/slideLayout31.xml><?xml version="1.0" encoding="utf-8"?>
+<file path=ppt/slideLayouts/slideLayout3.xml><?xml version="1.0" encoding="utf-8"?>
+<p:sldLayout xmlns:a="http://schemas.openxmlformats.org/drawingml/2006/main" xmlns:r="http://schemas.openxmlformats.org/officeDocument/2006/relationships" xmlns:p="http://schemas.openxmlformats.org/presentationml/2006/main" preserve="1" userDrawn="1">
+  <p:cSld name="2_Custom Layout">
+    <p:bg>
+      <p:bgPr>
+        <a:solidFill>
+          <a:srgbClr val="1D4380"/>
+        </a:solidFill>
+        <a:effectLst/>
+      </p:bgPr>
+    </p:bg>
+    <p:spTree>
+      <p:nvGrpSpPr>
+        <p:cNvPr id="1" name=""/>
+        <p:cNvGrpSpPr/>
+        <p:nvPr/>
+      </p:nvGrpSpPr>
+      <p:grpSpPr>
+        <a:xfrm>
+          <a:off x="0" y="0"/>
+          <a:ext cx="0" cy="0"/>
+          <a:chOff x="0" y="0"/>
+          <a:chExt cx="0" cy="0"/>
+        </a:xfrm>
+      </p:grpSpPr>
+      <p:sp>
+        <p:nvSpPr>
+          <p:cNvPr id="4" name="Title 3"/>
+          <p:cNvSpPr>
+            <a:spLocks noGrp="1"/>
+          </p:cNvSpPr>
+          <p:nvPr>
+            <p:ph type="title"/>
+          </p:nvPr>
+        </p:nvSpPr>
+        <p:spPr/>
+        <p:txBody>
+          <a:bodyPr anchor="b"/>
+          <a:lstStyle/>
+          <a:p>
+            <a:r>
+              <a:rPr lang="en-US" smtClean="0"/>
+              <a:t>Click to edit Master title style</a:t>
+            </a:r>
+            <a:endParaRPr lang="en-US"/>
+          </a:p>
+        </p:txBody>
+      </p:sp>
+      <p:sp>
+        <p:nvSpPr>
+          <p:cNvPr id="6" name="Text Placeholder 5"/>
+          <p:cNvSpPr>
+            <a:spLocks noGrp="1"/>
+          </p:cNvSpPr>
+          <p:nvPr>
+            <p:ph type="body" sz="quarter" idx="10" hasCustomPrompt="1"/>
+          </p:nvPr>
+        </p:nvSpPr>
+        <p:spPr>
+          <a:xfrm>
+            <a:off x="6638425" y="5517221"/>
+            <a:ext cx="5013325" cy="1026863"/>
+          </a:xfrm>
+        </p:spPr>
+        <p:txBody>
+          <a:bodyPr/>
+          <a:lstStyle>
+            <a:lvl1pPr>
+              <a:defRPr>
+                <a:solidFill>
+                  <a:srgbClr val="289FD7"/>
+                </a:solidFill>
+              </a:defRPr>
+            </a:lvl1pPr>
+          </a:lstStyle>
+          <a:p>
+            <a:pPr lvl="0"/>
+            <a:r>
+              <a:rPr lang="en-US" dirty="0" smtClean="0"/>
+              <a:t>Presenter Name</a:t>
+            </a:r>
+          </a:p>
+          <a:p>
+            <a:pPr lvl="0"/>
+            <a:r>
+              <a:rPr lang="en-US" dirty="0" smtClean="0"/>
+              <a:t>Title/role</a:t>
+            </a:r>
+          </a:p>
+        </p:txBody>
+      </p:sp>
+    </p:spTree>
+    <p:extLst>
+      <p:ext uri="{BB962C8B-B14F-4D97-AF65-F5344CB8AC3E}">
+        <p14:creationId xmlns:p14="http://schemas.microsoft.com/office/powerpoint/2010/main" val="991024635"/>
+      </p:ext>
+    </p:extLst>
+  </p:cSld>
+  <p:clrMapOvr>
+    <a:masterClrMapping/>
+  </p:clrMapOvr>
+  <p:timing>
+    <p:tnLst>
+      <p:par>
+        <p:cTn id="1" dur="indefinite" restart="never" nodeType="tmRoot"/>
+      </p:par>
+    </p:tnLst>
+  </p:timing>
+</p:sldLayout>
+</file>
+
+<file path=ppt/slideLayouts/slideLayout30.xml><?xml version="1.0" encoding="utf-8"?>
 <p:sldLayout xmlns:a="http://schemas.openxmlformats.org/drawingml/2006/main" xmlns:r="http://schemas.openxmlformats.org/officeDocument/2006/relationships" xmlns:p="http://schemas.openxmlformats.org/presentationml/2006/main" userDrawn="1">
   <p:cSld name="1_Logo on Background">
     <p:bg>
@@ -6838,7 +6747,7 @@
 </p:sldLayout>
 </file>
 
-<file path=ppt/slideLayouts/slideLayout32.xml><?xml version="1.0" encoding="utf-8"?>
+<file path=ppt/slideLayouts/slideLayout31.xml><?xml version="1.0" encoding="utf-8"?>
 <p:sldLayout xmlns:a="http://schemas.openxmlformats.org/drawingml/2006/main" xmlns:r="http://schemas.openxmlformats.org/officeDocument/2006/relationships" xmlns:p="http://schemas.openxmlformats.org/presentationml/2006/main" type="title" preserve="1">
   <p:cSld name="Title Slide">
     <p:bg>
@@ -6982,7 +6891,7 @@
 </p:sldLayout>
 </file>
 
-<file path=ppt/slideLayouts/slideLayout33.xml><?xml version="1.0" encoding="utf-8"?>
+<file path=ppt/slideLayouts/slideLayout32.xml><?xml version="1.0" encoding="utf-8"?>
 <p:sldLayout xmlns:a="http://schemas.openxmlformats.org/drawingml/2006/main" xmlns:r="http://schemas.openxmlformats.org/officeDocument/2006/relationships" xmlns:p="http://schemas.openxmlformats.org/presentationml/2006/main" type="obj" preserve="1">
   <p:cSld name="Title and Content">
     <p:bg>
@@ -7133,7 +7042,7 @@
 </p:sldLayout>
 </file>
 
-<file path=ppt/slideLayouts/slideLayout34.xml><?xml version="1.0" encoding="utf-8"?>
+<file path=ppt/slideLayouts/slideLayout33.xml><?xml version="1.0" encoding="utf-8"?>
 <p:sldLayout xmlns:a="http://schemas.openxmlformats.org/drawingml/2006/main" xmlns:r="http://schemas.openxmlformats.org/officeDocument/2006/relationships" xmlns:p="http://schemas.openxmlformats.org/presentationml/2006/main" preserve="1" userDrawn="1">
   <p:cSld name="1_Title and Content">
     <p:spTree>
@@ -7321,7 +7230,7 @@
 </p:sldLayout>
 </file>
 
-<file path=ppt/slideLayouts/slideLayout35.xml><?xml version="1.0" encoding="utf-8"?>
+<file path=ppt/slideLayouts/slideLayout34.xml><?xml version="1.0" encoding="utf-8"?>
 <p:sldLayout xmlns:a="http://schemas.openxmlformats.org/drawingml/2006/main" xmlns:r="http://schemas.openxmlformats.org/officeDocument/2006/relationships" xmlns:p="http://schemas.openxmlformats.org/presentationml/2006/main" type="titleOnly" preserve="1">
   <p:cSld name="Title Only">
     <p:bg>
@@ -7420,7 +7329,7 @@
 </p:sldLayout>
 </file>
 
-<file path=ppt/slideLayouts/slideLayout36.xml><?xml version="1.0" encoding="utf-8"?>
+<file path=ppt/slideLayouts/slideLayout35.xml><?xml version="1.0" encoding="utf-8"?>
 <p:sldLayout xmlns:a="http://schemas.openxmlformats.org/drawingml/2006/main" xmlns:r="http://schemas.openxmlformats.org/officeDocument/2006/relationships" xmlns:p="http://schemas.openxmlformats.org/presentationml/2006/main" preserve="1" userDrawn="1">
   <p:cSld name="1_Title Only">
     <p:spTree>
@@ -7524,28 +7433,28 @@
                 <a:gridCol w="2764105">
                   <a:extLst>
                     <a:ext uri="{9D8B030D-6E8A-4147-A177-3AD203B41FA5}">
-                      <a16:colId xmlns:a16="http://schemas.microsoft.com/office/drawing/2014/main" val="20000"/>
+                      <a16:colId xmlns:a16="http://schemas.microsoft.com/office/drawing/2014/main" xmlns="" val="20000"/>
                     </a:ext>
                   </a:extLst>
                 </a:gridCol>
                 <a:gridCol w="2764105">
                   <a:extLst>
                     <a:ext uri="{9D8B030D-6E8A-4147-A177-3AD203B41FA5}">
-                      <a16:colId xmlns:a16="http://schemas.microsoft.com/office/drawing/2014/main" val="20001"/>
+                      <a16:colId xmlns:a16="http://schemas.microsoft.com/office/drawing/2014/main" xmlns="" val="20001"/>
                     </a:ext>
                   </a:extLst>
                 </a:gridCol>
                 <a:gridCol w="2764105">
                   <a:extLst>
                     <a:ext uri="{9D8B030D-6E8A-4147-A177-3AD203B41FA5}">
-                      <a16:colId xmlns:a16="http://schemas.microsoft.com/office/drawing/2014/main" val="20002"/>
+                      <a16:colId xmlns:a16="http://schemas.microsoft.com/office/drawing/2014/main" xmlns="" val="20002"/>
                     </a:ext>
                   </a:extLst>
                 </a:gridCol>
                 <a:gridCol w="2764105">
                   <a:extLst>
                     <a:ext uri="{9D8B030D-6E8A-4147-A177-3AD203B41FA5}">
-                      <a16:colId xmlns:a16="http://schemas.microsoft.com/office/drawing/2014/main" val="20003"/>
+                      <a16:colId xmlns:a16="http://schemas.microsoft.com/office/drawing/2014/main" xmlns="" val="20003"/>
                     </a:ext>
                   </a:extLst>
                 </a:gridCol>
@@ -7725,7 +7634,7 @@
                 </a:tc>
                 <a:extLst>
                   <a:ext uri="{0D108BD9-81ED-4DB2-BD59-A6C34878D82A}">
-                    <a16:rowId xmlns:a16="http://schemas.microsoft.com/office/drawing/2014/main" val="10000"/>
+                    <a16:rowId xmlns:a16="http://schemas.microsoft.com/office/drawing/2014/main" xmlns="" val="10000"/>
                   </a:ext>
                 </a:extLst>
               </a:tr>
@@ -7961,7 +7870,7 @@
                 </a:tc>
                 <a:extLst>
                   <a:ext uri="{0D108BD9-81ED-4DB2-BD59-A6C34878D82A}">
-                    <a16:rowId xmlns:a16="http://schemas.microsoft.com/office/drawing/2014/main" val="10001"/>
+                    <a16:rowId xmlns:a16="http://schemas.microsoft.com/office/drawing/2014/main" xmlns="" val="10001"/>
                   </a:ext>
                 </a:extLst>
               </a:tr>
@@ -8216,7 +8125,7 @@
                 </a:tc>
                 <a:extLst>
                   <a:ext uri="{0D108BD9-81ED-4DB2-BD59-A6C34878D82A}">
-                    <a16:rowId xmlns:a16="http://schemas.microsoft.com/office/drawing/2014/main" val="10002"/>
+                    <a16:rowId xmlns:a16="http://schemas.microsoft.com/office/drawing/2014/main" xmlns="" val="10002"/>
                   </a:ext>
                 </a:extLst>
               </a:tr>
@@ -8471,7 +8380,7 @@
                 </a:tc>
                 <a:extLst>
                   <a:ext uri="{0D108BD9-81ED-4DB2-BD59-A6C34878D82A}">
-                    <a16:rowId xmlns:a16="http://schemas.microsoft.com/office/drawing/2014/main" val="10003"/>
+                    <a16:rowId xmlns:a16="http://schemas.microsoft.com/office/drawing/2014/main" xmlns="" val="10003"/>
                   </a:ext>
                 </a:extLst>
               </a:tr>
@@ -8499,7 +8408,7 @@
 </p:sldLayout>
 </file>
 
-<file path=ppt/slideLayouts/slideLayout37.xml><?xml version="1.0" encoding="utf-8"?>
+<file path=ppt/slideLayouts/slideLayout36.xml><?xml version="1.0" encoding="utf-8"?>
 <p:sldLayout xmlns:a="http://schemas.openxmlformats.org/drawingml/2006/main" xmlns:r="http://schemas.openxmlformats.org/officeDocument/2006/relationships" xmlns:p="http://schemas.openxmlformats.org/presentationml/2006/main" type="blank" preserve="1">
   <p:cSld name="Blank">
     <p:bg>
@@ -8575,7 +8484,7 @@
 </p:sldLayout>
 </file>
 
-<file path=ppt/slideLayouts/slideLayout38.xml><?xml version="1.0" encoding="utf-8"?>
+<file path=ppt/slideLayouts/slideLayout37.xml><?xml version="1.0" encoding="utf-8"?>
 <p:sldLayout xmlns:a="http://schemas.openxmlformats.org/drawingml/2006/main" xmlns:r="http://schemas.openxmlformats.org/officeDocument/2006/relationships" xmlns:p="http://schemas.openxmlformats.org/presentationml/2006/main" type="blank" preserve="1">
   <p:cSld name="1_Blank">
     <p:bg>
@@ -8620,7 +8529,7 @@
 </p:sldLayout>
 </file>
 
-<file path=ppt/slideLayouts/slideLayout39.xml><?xml version="1.0" encoding="utf-8"?>
+<file path=ppt/slideLayouts/slideLayout38.xml><?xml version="1.0" encoding="utf-8"?>
 <p:sldLayout xmlns:a="http://schemas.openxmlformats.org/drawingml/2006/main" xmlns:r="http://schemas.openxmlformats.org/officeDocument/2006/relationships" xmlns:p="http://schemas.openxmlformats.org/presentationml/2006/main" type="objTx" preserve="1">
   <p:cSld name="Content with Caption">
     <p:bg>
@@ -8892,118 +8801,7 @@
 </p:sldLayout>
 </file>
 
-<file path=ppt/slideLayouts/slideLayout4.xml><?xml version="1.0" encoding="utf-8"?>
-<p:sldLayout xmlns:a="http://schemas.openxmlformats.org/drawingml/2006/main" xmlns:r="http://schemas.openxmlformats.org/officeDocument/2006/relationships" xmlns:p="http://schemas.openxmlformats.org/presentationml/2006/main" preserve="1" userDrawn="1">
-  <p:cSld name="3_Custom Layout">
-    <p:bg>
-      <p:bgPr>
-        <a:solidFill>
-          <a:srgbClr val="617081"/>
-        </a:solidFill>
-        <a:effectLst/>
-      </p:bgPr>
-    </p:bg>
-    <p:spTree>
-      <p:nvGrpSpPr>
-        <p:cNvPr id="1" name=""/>
-        <p:cNvGrpSpPr/>
-        <p:nvPr/>
-      </p:nvGrpSpPr>
-      <p:grpSpPr>
-        <a:xfrm>
-          <a:off x="0" y="0"/>
-          <a:ext cx="0" cy="0"/>
-          <a:chOff x="0" y="0"/>
-          <a:chExt cx="0" cy="0"/>
-        </a:xfrm>
-      </p:grpSpPr>
-      <p:sp>
-        <p:nvSpPr>
-          <p:cNvPr id="4" name="Title 3"/>
-          <p:cNvSpPr>
-            <a:spLocks noGrp="1"/>
-          </p:cNvSpPr>
-          <p:nvPr>
-            <p:ph type="title"/>
-          </p:nvPr>
-        </p:nvSpPr>
-        <p:spPr/>
-        <p:txBody>
-          <a:bodyPr anchor="b"/>
-          <a:lstStyle/>
-          <a:p>
-            <a:r>
-              <a:rPr lang="en-US" smtClean="0"/>
-              <a:t>Click to edit Master title style</a:t>
-            </a:r>
-            <a:endParaRPr lang="en-US"/>
-          </a:p>
-        </p:txBody>
-      </p:sp>
-      <p:sp>
-        <p:nvSpPr>
-          <p:cNvPr id="6" name="Text Placeholder 5"/>
-          <p:cNvSpPr>
-            <a:spLocks noGrp="1"/>
-          </p:cNvSpPr>
-          <p:nvPr>
-            <p:ph type="body" sz="quarter" idx="10" hasCustomPrompt="1"/>
-          </p:nvPr>
-        </p:nvSpPr>
-        <p:spPr>
-          <a:xfrm>
-            <a:off x="6638425" y="5517221"/>
-            <a:ext cx="5013325" cy="1026863"/>
-          </a:xfrm>
-        </p:spPr>
-        <p:txBody>
-          <a:bodyPr/>
-          <a:lstStyle>
-            <a:lvl1pPr>
-              <a:defRPr>
-                <a:solidFill>
-                  <a:srgbClr val="BDCD2C"/>
-                </a:solidFill>
-              </a:defRPr>
-            </a:lvl1pPr>
-          </a:lstStyle>
-          <a:p>
-            <a:pPr lvl="0"/>
-            <a:r>
-              <a:rPr lang="en-US" dirty="0" smtClean="0"/>
-              <a:t>Presenter Name</a:t>
-            </a:r>
-          </a:p>
-          <a:p>
-            <a:pPr lvl="0"/>
-            <a:r>
-              <a:rPr lang="en-US" dirty="0" smtClean="0"/>
-              <a:t>Title/role</a:t>
-            </a:r>
-          </a:p>
-        </p:txBody>
-      </p:sp>
-    </p:spTree>
-    <p:extLst>
-      <p:ext uri="{BB962C8B-B14F-4D97-AF65-F5344CB8AC3E}">
-        <p14:creationId xmlns:p14="http://schemas.microsoft.com/office/powerpoint/2010/main" val="127618525"/>
-      </p:ext>
-    </p:extLst>
-  </p:cSld>
-  <p:clrMapOvr>
-    <a:masterClrMapping/>
-  </p:clrMapOvr>
-  <p:timing>
-    <p:tnLst>
-      <p:par>
-        <p:cTn id="1" dur="indefinite" restart="never" nodeType="tmRoot"/>
-      </p:par>
-    </p:tnLst>
-  </p:timing>
-</p:sldLayout>
-</file>
-
-<file path=ppt/slideLayouts/slideLayout40.xml><?xml version="1.0" encoding="utf-8"?>
+<file path=ppt/slideLayouts/slideLayout39.xml><?xml version="1.0" encoding="utf-8"?>
 <p:sldLayout xmlns:a="http://schemas.openxmlformats.org/drawingml/2006/main" xmlns:r="http://schemas.openxmlformats.org/officeDocument/2006/relationships" xmlns:p="http://schemas.openxmlformats.org/presentationml/2006/main" type="title" preserve="1">
   <p:cSld name="Title Slide">
     <p:bg>
@@ -9147,7 +8945,118 @@
 </p:sldLayout>
 </file>
 
-<file path=ppt/slideLayouts/slideLayout41.xml><?xml version="1.0" encoding="utf-8"?>
+<file path=ppt/slideLayouts/slideLayout4.xml><?xml version="1.0" encoding="utf-8"?>
+<p:sldLayout xmlns:a="http://schemas.openxmlformats.org/drawingml/2006/main" xmlns:r="http://schemas.openxmlformats.org/officeDocument/2006/relationships" xmlns:p="http://schemas.openxmlformats.org/presentationml/2006/main" preserve="1" userDrawn="1">
+  <p:cSld name="3_Custom Layout">
+    <p:bg>
+      <p:bgPr>
+        <a:solidFill>
+          <a:srgbClr val="617081"/>
+        </a:solidFill>
+        <a:effectLst/>
+      </p:bgPr>
+    </p:bg>
+    <p:spTree>
+      <p:nvGrpSpPr>
+        <p:cNvPr id="1" name=""/>
+        <p:cNvGrpSpPr/>
+        <p:nvPr/>
+      </p:nvGrpSpPr>
+      <p:grpSpPr>
+        <a:xfrm>
+          <a:off x="0" y="0"/>
+          <a:ext cx="0" cy="0"/>
+          <a:chOff x="0" y="0"/>
+          <a:chExt cx="0" cy="0"/>
+        </a:xfrm>
+      </p:grpSpPr>
+      <p:sp>
+        <p:nvSpPr>
+          <p:cNvPr id="4" name="Title 3"/>
+          <p:cNvSpPr>
+            <a:spLocks noGrp="1"/>
+          </p:cNvSpPr>
+          <p:nvPr>
+            <p:ph type="title"/>
+          </p:nvPr>
+        </p:nvSpPr>
+        <p:spPr/>
+        <p:txBody>
+          <a:bodyPr anchor="b"/>
+          <a:lstStyle/>
+          <a:p>
+            <a:r>
+              <a:rPr lang="en-US" smtClean="0"/>
+              <a:t>Click to edit Master title style</a:t>
+            </a:r>
+            <a:endParaRPr lang="en-US"/>
+          </a:p>
+        </p:txBody>
+      </p:sp>
+      <p:sp>
+        <p:nvSpPr>
+          <p:cNvPr id="6" name="Text Placeholder 5"/>
+          <p:cNvSpPr>
+            <a:spLocks noGrp="1"/>
+          </p:cNvSpPr>
+          <p:nvPr>
+            <p:ph type="body" sz="quarter" idx="10" hasCustomPrompt="1"/>
+          </p:nvPr>
+        </p:nvSpPr>
+        <p:spPr>
+          <a:xfrm>
+            <a:off x="6638425" y="5517221"/>
+            <a:ext cx="5013325" cy="1026863"/>
+          </a:xfrm>
+        </p:spPr>
+        <p:txBody>
+          <a:bodyPr/>
+          <a:lstStyle>
+            <a:lvl1pPr>
+              <a:defRPr>
+                <a:solidFill>
+                  <a:srgbClr val="BDCD2C"/>
+                </a:solidFill>
+              </a:defRPr>
+            </a:lvl1pPr>
+          </a:lstStyle>
+          <a:p>
+            <a:pPr lvl="0"/>
+            <a:r>
+              <a:rPr lang="en-US" dirty="0" smtClean="0"/>
+              <a:t>Presenter Name</a:t>
+            </a:r>
+          </a:p>
+          <a:p>
+            <a:pPr lvl="0"/>
+            <a:r>
+              <a:rPr lang="en-US" dirty="0" smtClean="0"/>
+              <a:t>Title/role</a:t>
+            </a:r>
+          </a:p>
+        </p:txBody>
+      </p:sp>
+    </p:spTree>
+    <p:extLst>
+      <p:ext uri="{BB962C8B-B14F-4D97-AF65-F5344CB8AC3E}">
+        <p14:creationId xmlns:p14="http://schemas.microsoft.com/office/powerpoint/2010/main" val="127618525"/>
+      </p:ext>
+    </p:extLst>
+  </p:cSld>
+  <p:clrMapOvr>
+    <a:masterClrMapping/>
+  </p:clrMapOvr>
+  <p:timing>
+    <p:tnLst>
+      <p:par>
+        <p:cTn id="1" dur="indefinite" restart="never" nodeType="tmRoot"/>
+      </p:par>
+    </p:tnLst>
+  </p:timing>
+</p:sldLayout>
+</file>
+
+<file path=ppt/slideLayouts/slideLayout40.xml><?xml version="1.0" encoding="utf-8"?>
 <p:sldLayout xmlns:a="http://schemas.openxmlformats.org/drawingml/2006/main" xmlns:r="http://schemas.openxmlformats.org/officeDocument/2006/relationships" xmlns:p="http://schemas.openxmlformats.org/presentationml/2006/main" type="obj" preserve="1">
   <p:cSld name="Title and Content">
     <p:bg>
@@ -9298,7 +9207,7 @@
 </p:sldLayout>
 </file>
 
-<file path=ppt/slideLayouts/slideLayout42.xml><?xml version="1.0" encoding="utf-8"?>
+<file path=ppt/slideLayouts/slideLayout41.xml><?xml version="1.0" encoding="utf-8"?>
 <p:sldLayout xmlns:a="http://schemas.openxmlformats.org/drawingml/2006/main" xmlns:r="http://schemas.openxmlformats.org/officeDocument/2006/relationships" xmlns:p="http://schemas.openxmlformats.org/presentationml/2006/main" preserve="1" userDrawn="1">
   <p:cSld name="1_Title and Content">
     <p:spTree>
@@ -9486,7 +9395,7 @@
 </p:sldLayout>
 </file>
 
-<file path=ppt/slideLayouts/slideLayout43.xml><?xml version="1.0" encoding="utf-8"?>
+<file path=ppt/slideLayouts/slideLayout42.xml><?xml version="1.0" encoding="utf-8"?>
 <p:sldLayout xmlns:a="http://schemas.openxmlformats.org/drawingml/2006/main" xmlns:r="http://schemas.openxmlformats.org/officeDocument/2006/relationships" xmlns:p="http://schemas.openxmlformats.org/presentationml/2006/main" type="titleOnly" preserve="1">
   <p:cSld name="Title Only">
     <p:bg>
@@ -9585,7 +9494,7 @@
 </p:sldLayout>
 </file>
 
-<file path=ppt/slideLayouts/slideLayout44.xml><?xml version="1.0" encoding="utf-8"?>
+<file path=ppt/slideLayouts/slideLayout43.xml><?xml version="1.0" encoding="utf-8"?>
 <p:sldLayout xmlns:a="http://schemas.openxmlformats.org/drawingml/2006/main" xmlns:r="http://schemas.openxmlformats.org/officeDocument/2006/relationships" xmlns:p="http://schemas.openxmlformats.org/presentationml/2006/main" preserve="1" userDrawn="1">
   <p:cSld name="1_Title Only">
     <p:spTree>
@@ -9689,28 +9598,28 @@
                 <a:gridCol w="2764105">
                   <a:extLst>
                     <a:ext uri="{9D8B030D-6E8A-4147-A177-3AD203B41FA5}">
-                      <a16:colId xmlns:a16="http://schemas.microsoft.com/office/drawing/2014/main" val="20000"/>
+                      <a16:colId xmlns:a16="http://schemas.microsoft.com/office/drawing/2014/main" xmlns="" val="20000"/>
                     </a:ext>
                   </a:extLst>
                 </a:gridCol>
                 <a:gridCol w="2764105">
                   <a:extLst>
                     <a:ext uri="{9D8B030D-6E8A-4147-A177-3AD203B41FA5}">
-                      <a16:colId xmlns:a16="http://schemas.microsoft.com/office/drawing/2014/main" val="20001"/>
+                      <a16:colId xmlns:a16="http://schemas.microsoft.com/office/drawing/2014/main" xmlns="" val="20001"/>
                     </a:ext>
                   </a:extLst>
                 </a:gridCol>
                 <a:gridCol w="2764105">
                   <a:extLst>
                     <a:ext uri="{9D8B030D-6E8A-4147-A177-3AD203B41FA5}">
-                      <a16:colId xmlns:a16="http://schemas.microsoft.com/office/drawing/2014/main" val="20002"/>
+                      <a16:colId xmlns:a16="http://schemas.microsoft.com/office/drawing/2014/main" xmlns="" val="20002"/>
                     </a:ext>
                   </a:extLst>
                 </a:gridCol>
                 <a:gridCol w="2764105">
                   <a:extLst>
                     <a:ext uri="{9D8B030D-6E8A-4147-A177-3AD203B41FA5}">
-                      <a16:colId xmlns:a16="http://schemas.microsoft.com/office/drawing/2014/main" val="20003"/>
+                      <a16:colId xmlns:a16="http://schemas.microsoft.com/office/drawing/2014/main" xmlns="" val="20003"/>
                     </a:ext>
                   </a:extLst>
                 </a:gridCol>
@@ -9890,7 +9799,7 @@
                 </a:tc>
                 <a:extLst>
                   <a:ext uri="{0D108BD9-81ED-4DB2-BD59-A6C34878D82A}">
-                    <a16:rowId xmlns:a16="http://schemas.microsoft.com/office/drawing/2014/main" val="10000"/>
+                    <a16:rowId xmlns:a16="http://schemas.microsoft.com/office/drawing/2014/main" xmlns="" val="10000"/>
                   </a:ext>
                 </a:extLst>
               </a:tr>
@@ -10126,7 +10035,7 @@
                 </a:tc>
                 <a:extLst>
                   <a:ext uri="{0D108BD9-81ED-4DB2-BD59-A6C34878D82A}">
-                    <a16:rowId xmlns:a16="http://schemas.microsoft.com/office/drawing/2014/main" val="10001"/>
+                    <a16:rowId xmlns:a16="http://schemas.microsoft.com/office/drawing/2014/main" xmlns="" val="10001"/>
                   </a:ext>
                 </a:extLst>
               </a:tr>
@@ -10381,7 +10290,7 @@
                 </a:tc>
                 <a:extLst>
                   <a:ext uri="{0D108BD9-81ED-4DB2-BD59-A6C34878D82A}">
-                    <a16:rowId xmlns:a16="http://schemas.microsoft.com/office/drawing/2014/main" val="10002"/>
+                    <a16:rowId xmlns:a16="http://schemas.microsoft.com/office/drawing/2014/main" xmlns="" val="10002"/>
                   </a:ext>
                 </a:extLst>
               </a:tr>
@@ -10636,7 +10545,7 @@
                 </a:tc>
                 <a:extLst>
                   <a:ext uri="{0D108BD9-81ED-4DB2-BD59-A6C34878D82A}">
-                    <a16:rowId xmlns:a16="http://schemas.microsoft.com/office/drawing/2014/main" val="10003"/>
+                    <a16:rowId xmlns:a16="http://schemas.microsoft.com/office/drawing/2014/main" xmlns="" val="10003"/>
                   </a:ext>
                 </a:extLst>
               </a:tr>
@@ -10664,7 +10573,7 @@
 </p:sldLayout>
 </file>
 
-<file path=ppt/slideLayouts/slideLayout45.xml><?xml version="1.0" encoding="utf-8"?>
+<file path=ppt/slideLayouts/slideLayout44.xml><?xml version="1.0" encoding="utf-8"?>
 <p:sldLayout xmlns:a="http://schemas.openxmlformats.org/drawingml/2006/main" xmlns:r="http://schemas.openxmlformats.org/officeDocument/2006/relationships" xmlns:p="http://schemas.openxmlformats.org/presentationml/2006/main" type="blank" preserve="1">
   <p:cSld name="Blank">
     <p:bg>
@@ -10740,7 +10649,7 @@
 </p:sldLayout>
 </file>
 
-<file path=ppt/slideLayouts/slideLayout46.xml><?xml version="1.0" encoding="utf-8"?>
+<file path=ppt/slideLayouts/slideLayout45.xml><?xml version="1.0" encoding="utf-8"?>
 <p:sldLayout xmlns:a="http://schemas.openxmlformats.org/drawingml/2006/main" xmlns:r="http://schemas.openxmlformats.org/officeDocument/2006/relationships" xmlns:p="http://schemas.openxmlformats.org/presentationml/2006/main" type="blank" preserve="1">
   <p:cSld name="1_Blank">
     <p:bg>
@@ -10785,7 +10694,7 @@
 </p:sldLayout>
 </file>
 
-<file path=ppt/slideLayouts/slideLayout47.xml><?xml version="1.0" encoding="utf-8"?>
+<file path=ppt/slideLayouts/slideLayout46.xml><?xml version="1.0" encoding="utf-8"?>
 <p:sldLayout xmlns:a="http://schemas.openxmlformats.org/drawingml/2006/main" xmlns:r="http://schemas.openxmlformats.org/officeDocument/2006/relationships" xmlns:p="http://schemas.openxmlformats.org/presentationml/2006/main" type="objTx" preserve="1">
   <p:cSld name="Content with Caption">
     <p:bg>
@@ -11057,7 +10966,7 @@
 </p:sldLayout>
 </file>
 
-<file path=ppt/slideLayouts/slideLayout48.xml><?xml version="1.0" encoding="utf-8"?>
+<file path=ppt/slideLayouts/slideLayout47.xml><?xml version="1.0" encoding="utf-8"?>
 <p:sldLayout xmlns:a="http://schemas.openxmlformats.org/drawingml/2006/main" xmlns:r="http://schemas.openxmlformats.org/officeDocument/2006/relationships" xmlns:p="http://schemas.openxmlformats.org/presentationml/2006/main" type="title" preserve="1">
   <p:cSld name="Title Slide">
     <p:bg>
@@ -11201,7 +11110,7 @@
 </p:sldLayout>
 </file>
 
-<file path=ppt/slideLayouts/slideLayout49.xml><?xml version="1.0" encoding="utf-8"?>
+<file path=ppt/slideLayouts/slideLayout48.xml><?xml version="1.0" encoding="utf-8"?>
 <p:sldLayout xmlns:a="http://schemas.openxmlformats.org/drawingml/2006/main" xmlns:r="http://schemas.openxmlformats.org/officeDocument/2006/relationships" xmlns:p="http://schemas.openxmlformats.org/presentationml/2006/main" type="obj" preserve="1">
   <p:cSld name="Title and Content">
     <p:bg>
@@ -11336,6 +11245,194 @@
     <p:extLst>
       <p:ext uri="{BB962C8B-B14F-4D97-AF65-F5344CB8AC3E}">
         <p14:creationId xmlns:p14="http://schemas.microsoft.com/office/powerpoint/2010/main" val="3995736214"/>
+      </p:ext>
+    </p:extLst>
+  </p:cSld>
+  <p:clrMapOvr>
+    <a:masterClrMapping/>
+  </p:clrMapOvr>
+  <p:timing>
+    <p:tnLst>
+      <p:par>
+        <p:cTn id="1" dur="indefinite" restart="never" nodeType="tmRoot"/>
+      </p:par>
+    </p:tnLst>
+  </p:timing>
+</p:sldLayout>
+</file>
+
+<file path=ppt/slideLayouts/slideLayout49.xml><?xml version="1.0" encoding="utf-8"?>
+<p:sldLayout xmlns:a="http://schemas.openxmlformats.org/drawingml/2006/main" xmlns:r="http://schemas.openxmlformats.org/officeDocument/2006/relationships" xmlns:p="http://schemas.openxmlformats.org/presentationml/2006/main" preserve="1" userDrawn="1">
+  <p:cSld name="1_Title and Content">
+    <p:spTree>
+      <p:nvGrpSpPr>
+        <p:cNvPr id="1" name=""/>
+        <p:cNvGrpSpPr/>
+        <p:nvPr/>
+      </p:nvGrpSpPr>
+      <p:grpSpPr>
+        <a:xfrm>
+          <a:off x="0" y="0"/>
+          <a:ext cx="0" cy="0"/>
+          <a:chOff x="0" y="0"/>
+          <a:chExt cx="0" cy="0"/>
+        </a:xfrm>
+      </p:grpSpPr>
+      <p:sp>
+        <p:nvSpPr>
+          <p:cNvPr id="2" name="Title 1"/>
+          <p:cNvSpPr>
+            <a:spLocks noGrp="1"/>
+          </p:cNvSpPr>
+          <p:nvPr>
+            <p:ph type="title"/>
+          </p:nvPr>
+        </p:nvSpPr>
+        <p:spPr/>
+        <p:txBody>
+          <a:bodyPr/>
+          <a:lstStyle/>
+          <a:p>
+            <a:r>
+              <a:rPr lang="en-US" smtClean="0"/>
+              <a:t>Click to edit Master title style</a:t>
+            </a:r>
+            <a:endParaRPr lang="en-US"/>
+          </a:p>
+        </p:txBody>
+      </p:sp>
+      <p:sp>
+        <p:nvSpPr>
+          <p:cNvPr id="3" name="Content Placeholder 2"/>
+          <p:cNvSpPr>
+            <a:spLocks noGrp="1"/>
+          </p:cNvSpPr>
+          <p:nvPr>
+            <p:ph idx="1"/>
+          </p:nvPr>
+        </p:nvSpPr>
+        <p:spPr>
+          <a:xfrm>
+            <a:off x="560798" y="2111604"/>
+            <a:ext cx="11079822" cy="3980971"/>
+          </a:xfrm>
+        </p:spPr>
+        <p:txBody>
+          <a:bodyPr/>
+          <a:lstStyle/>
+          <a:p>
+            <a:pPr lvl="0"/>
+            <a:r>
+              <a:rPr lang="en-US" smtClean="0"/>
+              <a:t>Click to edit Master text styles</a:t>
+            </a:r>
+          </a:p>
+          <a:p>
+            <a:pPr lvl="1"/>
+            <a:r>
+              <a:rPr lang="en-US" smtClean="0"/>
+              <a:t>Second level</a:t>
+            </a:r>
+          </a:p>
+          <a:p>
+            <a:pPr lvl="2"/>
+            <a:r>
+              <a:rPr lang="en-US" smtClean="0"/>
+              <a:t>Third level</a:t>
+            </a:r>
+          </a:p>
+          <a:p>
+            <a:pPr lvl="3"/>
+            <a:r>
+              <a:rPr lang="en-US" smtClean="0"/>
+              <a:t>Fourth level</a:t>
+            </a:r>
+          </a:p>
+          <a:p>
+            <a:pPr lvl="4"/>
+            <a:r>
+              <a:rPr lang="en-US" smtClean="0"/>
+              <a:t>Fifth level</a:t>
+            </a:r>
+            <a:endParaRPr lang="en-US"/>
+          </a:p>
+        </p:txBody>
+      </p:sp>
+      <p:sp>
+        <p:nvSpPr>
+          <p:cNvPr id="6" name="Slide Number Placeholder 5"/>
+          <p:cNvSpPr>
+            <a:spLocks noGrp="1"/>
+          </p:cNvSpPr>
+          <p:nvPr>
+            <p:ph type="sldNum" sz="quarter" idx="12"/>
+          </p:nvPr>
+        </p:nvSpPr>
+        <p:spPr>
+          <a:xfrm>
+            <a:off x="8897420" y="6256216"/>
+            <a:ext cx="2743200" cy="365125"/>
+          </a:xfrm>
+          <a:prstGeom prst="rect">
+            <a:avLst/>
+          </a:prstGeom>
+        </p:spPr>
+        <p:txBody>
+          <a:bodyPr/>
+          <a:lstStyle/>
+          <a:p>
+            <a:fld id="{0A164282-434E-41D4-9582-783D542A7B68}" type="slidenum">
+              <a:rPr lang="en-US" smtClean="0"/>
+              <a:t>‹#›</a:t>
+            </a:fld>
+            <a:endParaRPr lang="en-US"/>
+          </a:p>
+        </p:txBody>
+      </p:sp>
+      <p:sp>
+        <p:nvSpPr>
+          <p:cNvPr id="5" name="Text Placeholder 4"/>
+          <p:cNvSpPr>
+            <a:spLocks noGrp="1"/>
+          </p:cNvSpPr>
+          <p:nvPr>
+            <p:ph type="body" sz="quarter" idx="13" hasCustomPrompt="1"/>
+          </p:nvPr>
+        </p:nvSpPr>
+        <p:spPr>
+          <a:xfrm>
+            <a:off x="560388" y="1534096"/>
+            <a:ext cx="11080750" cy="437594"/>
+          </a:xfrm>
+        </p:spPr>
+        <p:txBody>
+          <a:bodyPr>
+            <a:normAutofit/>
+          </a:bodyPr>
+          <a:lstStyle>
+            <a:lvl1pPr marL="0" indent="0">
+              <a:buFontTx/>
+              <a:buNone/>
+              <a:defRPr sz="2000" cap="all" baseline="0"/>
+            </a:lvl1pPr>
+            <a:lvl5pPr>
+              <a:defRPr/>
+            </a:lvl5pPr>
+          </a:lstStyle>
+          <a:p>
+            <a:pPr lvl="0"/>
+            <a:r>
+              <a:rPr lang="en-US" dirty="0" smtClean="0"/>
+              <a:t>Secondary refining headline</a:t>
+            </a:r>
+            <a:endParaRPr lang="en-US" dirty="0"/>
+          </a:p>
+        </p:txBody>
+      </p:sp>
+    </p:spTree>
+    <p:extLst>
+      <p:ext uri="{BB962C8B-B14F-4D97-AF65-F5344CB8AC3E}">
+        <p14:creationId xmlns:p14="http://schemas.microsoft.com/office/powerpoint/2010/main" val="3229571234"/>
       </p:ext>
     </p:extLst>
   </p:cSld>
@@ -11472,194 +11569,6 @@
 </file>
 
 <file path=ppt/slideLayouts/slideLayout50.xml><?xml version="1.0" encoding="utf-8"?>
-<p:sldLayout xmlns:a="http://schemas.openxmlformats.org/drawingml/2006/main" xmlns:r="http://schemas.openxmlformats.org/officeDocument/2006/relationships" xmlns:p="http://schemas.openxmlformats.org/presentationml/2006/main" preserve="1" userDrawn="1">
-  <p:cSld name="1_Title and Content">
-    <p:spTree>
-      <p:nvGrpSpPr>
-        <p:cNvPr id="1" name=""/>
-        <p:cNvGrpSpPr/>
-        <p:nvPr/>
-      </p:nvGrpSpPr>
-      <p:grpSpPr>
-        <a:xfrm>
-          <a:off x="0" y="0"/>
-          <a:ext cx="0" cy="0"/>
-          <a:chOff x="0" y="0"/>
-          <a:chExt cx="0" cy="0"/>
-        </a:xfrm>
-      </p:grpSpPr>
-      <p:sp>
-        <p:nvSpPr>
-          <p:cNvPr id="2" name="Title 1"/>
-          <p:cNvSpPr>
-            <a:spLocks noGrp="1"/>
-          </p:cNvSpPr>
-          <p:nvPr>
-            <p:ph type="title"/>
-          </p:nvPr>
-        </p:nvSpPr>
-        <p:spPr/>
-        <p:txBody>
-          <a:bodyPr/>
-          <a:lstStyle/>
-          <a:p>
-            <a:r>
-              <a:rPr lang="en-US" smtClean="0"/>
-              <a:t>Click to edit Master title style</a:t>
-            </a:r>
-            <a:endParaRPr lang="en-US"/>
-          </a:p>
-        </p:txBody>
-      </p:sp>
-      <p:sp>
-        <p:nvSpPr>
-          <p:cNvPr id="3" name="Content Placeholder 2"/>
-          <p:cNvSpPr>
-            <a:spLocks noGrp="1"/>
-          </p:cNvSpPr>
-          <p:nvPr>
-            <p:ph idx="1"/>
-          </p:nvPr>
-        </p:nvSpPr>
-        <p:spPr>
-          <a:xfrm>
-            <a:off x="560798" y="2111604"/>
-            <a:ext cx="11079822" cy="3980971"/>
-          </a:xfrm>
-        </p:spPr>
-        <p:txBody>
-          <a:bodyPr/>
-          <a:lstStyle/>
-          <a:p>
-            <a:pPr lvl="0"/>
-            <a:r>
-              <a:rPr lang="en-US" smtClean="0"/>
-              <a:t>Click to edit Master text styles</a:t>
-            </a:r>
-          </a:p>
-          <a:p>
-            <a:pPr lvl="1"/>
-            <a:r>
-              <a:rPr lang="en-US" smtClean="0"/>
-              <a:t>Second level</a:t>
-            </a:r>
-          </a:p>
-          <a:p>
-            <a:pPr lvl="2"/>
-            <a:r>
-              <a:rPr lang="en-US" smtClean="0"/>
-              <a:t>Third level</a:t>
-            </a:r>
-          </a:p>
-          <a:p>
-            <a:pPr lvl="3"/>
-            <a:r>
-              <a:rPr lang="en-US" smtClean="0"/>
-              <a:t>Fourth level</a:t>
-            </a:r>
-          </a:p>
-          <a:p>
-            <a:pPr lvl="4"/>
-            <a:r>
-              <a:rPr lang="en-US" smtClean="0"/>
-              <a:t>Fifth level</a:t>
-            </a:r>
-            <a:endParaRPr lang="en-US"/>
-          </a:p>
-        </p:txBody>
-      </p:sp>
-      <p:sp>
-        <p:nvSpPr>
-          <p:cNvPr id="6" name="Slide Number Placeholder 5"/>
-          <p:cNvSpPr>
-            <a:spLocks noGrp="1"/>
-          </p:cNvSpPr>
-          <p:nvPr>
-            <p:ph type="sldNum" sz="quarter" idx="12"/>
-          </p:nvPr>
-        </p:nvSpPr>
-        <p:spPr>
-          <a:xfrm>
-            <a:off x="8897420" y="6256216"/>
-            <a:ext cx="2743200" cy="365125"/>
-          </a:xfrm>
-          <a:prstGeom prst="rect">
-            <a:avLst/>
-          </a:prstGeom>
-        </p:spPr>
-        <p:txBody>
-          <a:bodyPr/>
-          <a:lstStyle/>
-          <a:p>
-            <a:fld id="{0A164282-434E-41D4-9582-783D542A7B68}" type="slidenum">
-              <a:rPr lang="en-US" smtClean="0"/>
-              <a:t>‹#›</a:t>
-            </a:fld>
-            <a:endParaRPr lang="en-US"/>
-          </a:p>
-        </p:txBody>
-      </p:sp>
-      <p:sp>
-        <p:nvSpPr>
-          <p:cNvPr id="5" name="Text Placeholder 4"/>
-          <p:cNvSpPr>
-            <a:spLocks noGrp="1"/>
-          </p:cNvSpPr>
-          <p:nvPr>
-            <p:ph type="body" sz="quarter" idx="13" hasCustomPrompt="1"/>
-          </p:nvPr>
-        </p:nvSpPr>
-        <p:spPr>
-          <a:xfrm>
-            <a:off x="560388" y="1534096"/>
-            <a:ext cx="11080750" cy="437594"/>
-          </a:xfrm>
-        </p:spPr>
-        <p:txBody>
-          <a:bodyPr>
-            <a:normAutofit/>
-          </a:bodyPr>
-          <a:lstStyle>
-            <a:lvl1pPr marL="0" indent="0">
-              <a:buFontTx/>
-              <a:buNone/>
-              <a:defRPr sz="2000" cap="all" baseline="0"/>
-            </a:lvl1pPr>
-            <a:lvl5pPr>
-              <a:defRPr/>
-            </a:lvl5pPr>
-          </a:lstStyle>
-          <a:p>
-            <a:pPr lvl="0"/>
-            <a:r>
-              <a:rPr lang="en-US" dirty="0" smtClean="0"/>
-              <a:t>Secondary refining headline</a:t>
-            </a:r>
-            <a:endParaRPr lang="en-US" dirty="0"/>
-          </a:p>
-        </p:txBody>
-      </p:sp>
-    </p:spTree>
-    <p:extLst>
-      <p:ext uri="{BB962C8B-B14F-4D97-AF65-F5344CB8AC3E}">
-        <p14:creationId xmlns:p14="http://schemas.microsoft.com/office/powerpoint/2010/main" val="3229571234"/>
-      </p:ext>
-    </p:extLst>
-  </p:cSld>
-  <p:clrMapOvr>
-    <a:masterClrMapping/>
-  </p:clrMapOvr>
-  <p:timing>
-    <p:tnLst>
-      <p:par>
-        <p:cTn id="1" dur="indefinite" restart="never" nodeType="tmRoot"/>
-      </p:par>
-    </p:tnLst>
-  </p:timing>
-</p:sldLayout>
-</file>
-
-<file path=ppt/slideLayouts/slideLayout51.xml><?xml version="1.0" encoding="utf-8"?>
 <p:sldLayout xmlns:a="http://schemas.openxmlformats.org/drawingml/2006/main" xmlns:r="http://schemas.openxmlformats.org/officeDocument/2006/relationships" xmlns:p="http://schemas.openxmlformats.org/presentationml/2006/main" type="titleOnly" preserve="1">
   <p:cSld name="Title Only">
     <p:bg>
@@ -11758,7 +11667,7 @@
 </p:sldLayout>
 </file>
 
-<file path=ppt/slideLayouts/slideLayout52.xml><?xml version="1.0" encoding="utf-8"?>
+<file path=ppt/slideLayouts/slideLayout51.xml><?xml version="1.0" encoding="utf-8"?>
 <p:sldLayout xmlns:a="http://schemas.openxmlformats.org/drawingml/2006/main" xmlns:r="http://schemas.openxmlformats.org/officeDocument/2006/relationships" xmlns:p="http://schemas.openxmlformats.org/presentationml/2006/main" type="blank" preserve="1">
   <p:cSld name="Blank">
     <p:bg>
@@ -11834,7 +11743,7 @@
 </p:sldLayout>
 </file>
 
-<file path=ppt/slideLayouts/slideLayout53.xml><?xml version="1.0" encoding="utf-8"?>
+<file path=ppt/slideLayouts/slideLayout52.xml><?xml version="1.0" encoding="utf-8"?>
 <p:sldLayout xmlns:a="http://schemas.openxmlformats.org/drawingml/2006/main" xmlns:r="http://schemas.openxmlformats.org/officeDocument/2006/relationships" xmlns:p="http://schemas.openxmlformats.org/presentationml/2006/main" type="blank" preserve="1">
   <p:cSld name="1_Blank">
     <p:bg>
@@ -11879,7 +11788,7 @@
 </p:sldLayout>
 </file>
 
-<file path=ppt/slideLayouts/slideLayout54.xml><?xml version="1.0" encoding="utf-8"?>
+<file path=ppt/slideLayouts/slideLayout53.xml><?xml version="1.0" encoding="utf-8"?>
 <p:sldLayout xmlns:a="http://schemas.openxmlformats.org/drawingml/2006/main" xmlns:r="http://schemas.openxmlformats.org/officeDocument/2006/relationships" xmlns:p="http://schemas.openxmlformats.org/presentationml/2006/main" type="objTx" preserve="1">
   <p:cSld name="Content with Caption">
     <p:bg>
@@ -12152,194 +12061,6 @@
 </file>
 
 <file path=ppt/slideLayouts/slideLayout6.xml><?xml version="1.0" encoding="utf-8"?>
-<p:sldLayout xmlns:a="http://schemas.openxmlformats.org/drawingml/2006/main" xmlns:r="http://schemas.openxmlformats.org/officeDocument/2006/relationships" xmlns:p="http://schemas.openxmlformats.org/presentationml/2006/main" userDrawn="1">
-  <p:cSld name="1_Title and Content">
-    <p:spTree>
-      <p:nvGrpSpPr>
-        <p:cNvPr id="1" name=""/>
-        <p:cNvGrpSpPr/>
-        <p:nvPr/>
-      </p:nvGrpSpPr>
-      <p:grpSpPr>
-        <a:xfrm>
-          <a:off x="0" y="0"/>
-          <a:ext cx="0" cy="0"/>
-          <a:chOff x="0" y="0"/>
-          <a:chExt cx="0" cy="0"/>
-        </a:xfrm>
-      </p:grpSpPr>
-      <p:sp>
-        <p:nvSpPr>
-          <p:cNvPr id="2" name="Title 1"/>
-          <p:cNvSpPr>
-            <a:spLocks noGrp="1"/>
-          </p:cNvSpPr>
-          <p:nvPr>
-            <p:ph type="title"/>
-          </p:nvPr>
-        </p:nvSpPr>
-        <p:spPr/>
-        <p:txBody>
-          <a:bodyPr/>
-          <a:lstStyle/>
-          <a:p>
-            <a:r>
-              <a:rPr lang="en-US" smtClean="0"/>
-              <a:t>Click to edit Master title style</a:t>
-            </a:r>
-            <a:endParaRPr lang="en-US"/>
-          </a:p>
-        </p:txBody>
-      </p:sp>
-      <p:sp>
-        <p:nvSpPr>
-          <p:cNvPr id="3" name="Content Placeholder 2"/>
-          <p:cNvSpPr>
-            <a:spLocks noGrp="1"/>
-          </p:cNvSpPr>
-          <p:nvPr>
-            <p:ph idx="1"/>
-          </p:nvPr>
-        </p:nvSpPr>
-        <p:spPr>
-          <a:xfrm>
-            <a:off x="560798" y="2111604"/>
-            <a:ext cx="11079822" cy="3980971"/>
-          </a:xfrm>
-        </p:spPr>
-        <p:txBody>
-          <a:bodyPr/>
-          <a:lstStyle/>
-          <a:p>
-            <a:pPr lvl="0"/>
-            <a:r>
-              <a:rPr lang="en-US" smtClean="0"/>
-              <a:t>Click to edit Master text styles</a:t>
-            </a:r>
-          </a:p>
-          <a:p>
-            <a:pPr lvl="1"/>
-            <a:r>
-              <a:rPr lang="en-US" smtClean="0"/>
-              <a:t>Second level</a:t>
-            </a:r>
-          </a:p>
-          <a:p>
-            <a:pPr lvl="2"/>
-            <a:r>
-              <a:rPr lang="en-US" smtClean="0"/>
-              <a:t>Third level</a:t>
-            </a:r>
-          </a:p>
-          <a:p>
-            <a:pPr lvl="3"/>
-            <a:r>
-              <a:rPr lang="en-US" smtClean="0"/>
-              <a:t>Fourth level</a:t>
-            </a:r>
-          </a:p>
-          <a:p>
-            <a:pPr lvl="4"/>
-            <a:r>
-              <a:rPr lang="en-US" smtClean="0"/>
-              <a:t>Fifth level</a:t>
-            </a:r>
-            <a:endParaRPr lang="en-US"/>
-          </a:p>
-        </p:txBody>
-      </p:sp>
-      <p:sp>
-        <p:nvSpPr>
-          <p:cNvPr id="6" name="Slide Number Placeholder 5"/>
-          <p:cNvSpPr>
-            <a:spLocks noGrp="1"/>
-          </p:cNvSpPr>
-          <p:nvPr>
-            <p:ph type="sldNum" sz="quarter" idx="12"/>
-          </p:nvPr>
-        </p:nvSpPr>
-        <p:spPr>
-          <a:xfrm>
-            <a:off x="8897420" y="6256216"/>
-            <a:ext cx="2743200" cy="365125"/>
-          </a:xfrm>
-          <a:prstGeom prst="rect">
-            <a:avLst/>
-          </a:prstGeom>
-        </p:spPr>
-        <p:txBody>
-          <a:bodyPr/>
-          <a:lstStyle/>
-          <a:p>
-            <a:fld id="{0A164282-434E-41D4-9582-783D542A7B68}" type="slidenum">
-              <a:rPr lang="en-US" smtClean="0"/>
-              <a:t>‹#›</a:t>
-            </a:fld>
-            <a:endParaRPr lang="en-US"/>
-          </a:p>
-        </p:txBody>
-      </p:sp>
-      <p:sp>
-        <p:nvSpPr>
-          <p:cNvPr id="5" name="Text Placeholder 4"/>
-          <p:cNvSpPr>
-            <a:spLocks noGrp="1"/>
-          </p:cNvSpPr>
-          <p:nvPr>
-            <p:ph type="body" sz="quarter" idx="13" hasCustomPrompt="1"/>
-          </p:nvPr>
-        </p:nvSpPr>
-        <p:spPr>
-          <a:xfrm>
-            <a:off x="560388" y="1534096"/>
-            <a:ext cx="11080750" cy="437594"/>
-          </a:xfrm>
-        </p:spPr>
-        <p:txBody>
-          <a:bodyPr>
-            <a:normAutofit/>
-          </a:bodyPr>
-          <a:lstStyle>
-            <a:lvl1pPr marL="0" indent="0">
-              <a:buFontTx/>
-              <a:buNone/>
-              <a:defRPr sz="2000" cap="all" baseline="0"/>
-            </a:lvl1pPr>
-            <a:lvl5pPr>
-              <a:defRPr/>
-            </a:lvl5pPr>
-          </a:lstStyle>
-          <a:p>
-            <a:pPr lvl="0"/>
-            <a:r>
-              <a:rPr lang="en-US" dirty="0" smtClean="0"/>
-              <a:t>Secondary refining headline</a:t>
-            </a:r>
-            <a:endParaRPr lang="en-US" dirty="0"/>
-          </a:p>
-        </p:txBody>
-      </p:sp>
-    </p:spTree>
-    <p:extLst>
-      <p:ext uri="{BB962C8B-B14F-4D97-AF65-F5344CB8AC3E}">
-        <p14:creationId xmlns:p14="http://schemas.microsoft.com/office/powerpoint/2010/main" val="450077064"/>
-      </p:ext>
-    </p:extLst>
-  </p:cSld>
-  <p:clrMapOvr>
-    <a:masterClrMapping/>
-  </p:clrMapOvr>
-  <p:timing>
-    <p:tnLst>
-      <p:par>
-        <p:cTn id="1" dur="indefinite" restart="never" nodeType="tmRoot"/>
-      </p:par>
-    </p:tnLst>
-  </p:timing>
-</p:sldLayout>
-</file>
-
-<file path=ppt/slideLayouts/slideLayout7.xml><?xml version="1.0" encoding="utf-8"?>
 <p:sldLayout xmlns:a="http://schemas.openxmlformats.org/drawingml/2006/main" xmlns:r="http://schemas.openxmlformats.org/officeDocument/2006/relationships" xmlns:p="http://schemas.openxmlformats.org/presentationml/2006/main" type="title" preserve="1">
   <p:cSld name="Title Slide">
     <p:spTree>
@@ -12475,7 +12196,7 @@
 </p:sldLayout>
 </file>
 
-<file path=ppt/slideLayouts/slideLayout8.xml><?xml version="1.0" encoding="utf-8"?>
+<file path=ppt/slideLayouts/slideLayout7.xml><?xml version="1.0" encoding="utf-8"?>
 <p:sldLayout xmlns:a="http://schemas.openxmlformats.org/drawingml/2006/main" xmlns:r="http://schemas.openxmlformats.org/officeDocument/2006/relationships" xmlns:p="http://schemas.openxmlformats.org/presentationml/2006/main" type="obj" preserve="1">
   <p:cSld name="Title and Content">
     <p:spTree>
@@ -12618,7 +12339,7 @@
 </p:sldLayout>
 </file>
 
-<file path=ppt/slideLayouts/slideLayout9.xml><?xml version="1.0" encoding="utf-8"?>
+<file path=ppt/slideLayouts/slideLayout8.xml><?xml version="1.0" encoding="utf-8"?>
 <p:sldLayout xmlns:a="http://schemas.openxmlformats.org/drawingml/2006/main" xmlns:r="http://schemas.openxmlformats.org/officeDocument/2006/relationships" xmlns:p="http://schemas.openxmlformats.org/presentationml/2006/main" preserve="1" userDrawn="1">
   <p:cSld name="1_Title and Content">
     <p:spTree>
@@ -12790,6 +12511,97 @@
     <p:extLst>
       <p:ext uri="{BB962C8B-B14F-4D97-AF65-F5344CB8AC3E}">
         <p14:creationId xmlns:p14="http://schemas.microsoft.com/office/powerpoint/2010/main" val="4246363931"/>
+      </p:ext>
+    </p:extLst>
+  </p:cSld>
+  <p:clrMapOvr>
+    <a:masterClrMapping/>
+  </p:clrMapOvr>
+  <p:timing>
+    <p:tnLst>
+      <p:par>
+        <p:cTn id="1" dur="indefinite" restart="never" nodeType="tmRoot"/>
+      </p:par>
+    </p:tnLst>
+  </p:timing>
+</p:sldLayout>
+</file>
+
+<file path=ppt/slideLayouts/slideLayout9.xml><?xml version="1.0" encoding="utf-8"?>
+<p:sldLayout xmlns:a="http://schemas.openxmlformats.org/drawingml/2006/main" xmlns:r="http://schemas.openxmlformats.org/officeDocument/2006/relationships" xmlns:p="http://schemas.openxmlformats.org/presentationml/2006/main" type="titleOnly" preserve="1">
+  <p:cSld name="Title Only">
+    <p:spTree>
+      <p:nvGrpSpPr>
+        <p:cNvPr id="1" name=""/>
+        <p:cNvGrpSpPr/>
+        <p:nvPr/>
+      </p:nvGrpSpPr>
+      <p:grpSpPr>
+        <a:xfrm>
+          <a:off x="0" y="0"/>
+          <a:ext cx="0" cy="0"/>
+          <a:chOff x="0" y="0"/>
+          <a:chExt cx="0" cy="0"/>
+        </a:xfrm>
+      </p:grpSpPr>
+      <p:sp>
+        <p:nvSpPr>
+          <p:cNvPr id="2" name="Title 1"/>
+          <p:cNvSpPr>
+            <a:spLocks noGrp="1"/>
+          </p:cNvSpPr>
+          <p:nvPr>
+            <p:ph type="title"/>
+          </p:nvPr>
+        </p:nvSpPr>
+        <p:spPr/>
+        <p:txBody>
+          <a:bodyPr/>
+          <a:lstStyle/>
+          <a:p>
+            <a:r>
+              <a:rPr lang="en-US" smtClean="0"/>
+              <a:t>Click to edit Master title style</a:t>
+            </a:r>
+            <a:endParaRPr lang="en-US"/>
+          </a:p>
+        </p:txBody>
+      </p:sp>
+      <p:sp>
+        <p:nvSpPr>
+          <p:cNvPr id="5" name="Slide Number Placeholder 4"/>
+          <p:cNvSpPr>
+            <a:spLocks noGrp="1"/>
+          </p:cNvSpPr>
+          <p:nvPr>
+            <p:ph type="sldNum" sz="quarter" idx="12"/>
+          </p:nvPr>
+        </p:nvSpPr>
+        <p:spPr>
+          <a:xfrm>
+            <a:off x="8897420" y="6256216"/>
+            <a:ext cx="2743200" cy="365125"/>
+          </a:xfrm>
+          <a:prstGeom prst="rect">
+            <a:avLst/>
+          </a:prstGeom>
+        </p:spPr>
+        <p:txBody>
+          <a:bodyPr/>
+          <a:lstStyle/>
+          <a:p>
+            <a:fld id="{0A164282-434E-41D4-9582-783D542A7B68}" type="slidenum">
+              <a:rPr lang="en-US" smtClean="0"/>
+              <a:t>‹#›</a:t>
+            </a:fld>
+            <a:endParaRPr lang="en-US"/>
+          </a:p>
+        </p:txBody>
+      </p:sp>
+    </p:spTree>
+    <p:extLst>
+      <p:ext uri="{BB962C8B-B14F-4D97-AF65-F5344CB8AC3E}">
+        <p14:creationId xmlns:p14="http://schemas.microsoft.com/office/powerpoint/2010/main" val="1784561578"/>
       </p:ext>
     </p:extLst>
   </p:cSld>
@@ -12919,7 +12731,6 @@
     <p:sldLayoutId id="2147483768" r:id="rId3"/>
     <p:sldLayoutId id="2147483769" r:id="rId4"/>
     <p:sldLayoutId id="2147483770" r:id="rId5"/>
-    <p:sldLayoutId id="2147483784" r:id="rId6"/>
   </p:sldLayoutIdLst>
   <p:timing>
     <p:tnLst>
@@ -18585,7 +18396,7 @@
         </p:nvSpPr>
         <p:spPr>
           <a:xfrm>
-            <a:off x="357188" y="-154968"/>
+            <a:off x="421864" y="-167704"/>
             <a:ext cx="11079822" cy="1325563"/>
           </a:xfrm>
         </p:spPr>
@@ -18603,7 +18414,7 @@
       </p:sp>
       <p:sp>
         <p:nvSpPr>
-          <p:cNvPr id="3" name="Content Placeholder 2"/>
+          <p:cNvPr id="4" name="Content Placeholder 3"/>
           <p:cNvSpPr>
             <a:spLocks noGrp="1"/>
           </p:cNvSpPr>
@@ -18622,30 +18433,7 @@
       </p:sp>
       <p:sp>
         <p:nvSpPr>
-          <p:cNvPr id="4" name="Slide Number Placeholder 3"/>
-          <p:cNvSpPr>
-            <a:spLocks noGrp="1"/>
-          </p:cNvSpPr>
-          <p:nvPr>
-            <p:ph type="sldNum" sz="quarter" idx="12"/>
-          </p:nvPr>
-        </p:nvSpPr>
-        <p:spPr/>
-        <p:txBody>
-          <a:bodyPr/>
-          <a:lstStyle/>
-          <a:p>
-            <a:fld id="{0A164282-434E-41D4-9582-783D542A7B68}" type="slidenum">
-              <a:rPr lang="en-US" smtClean="0"/>
-              <a:t>2</a:t>
-            </a:fld>
-            <a:endParaRPr lang="en-US"/>
-          </a:p>
-        </p:txBody>
-      </p:sp>
-      <p:sp>
-        <p:nvSpPr>
-          <p:cNvPr id="5" name="Text Placeholder 4"/>
+          <p:cNvPr id="6" name="Text Placeholder 5"/>
           <p:cNvSpPr>
             <a:spLocks noGrp="1"/>
           </p:cNvSpPr>
@@ -18671,14 +18459,14 @@
           <p:nvPr>
             <p:extLst>
               <p:ext uri="{D42A27DB-BD31-4B8C-83A1-F6EECF244321}">
-                <p14:modId xmlns:p14="http://schemas.microsoft.com/office/powerpoint/2010/main" val="2979339217"/>
+                <p14:modId xmlns:p14="http://schemas.microsoft.com/office/powerpoint/2010/main" val="2353596739"/>
               </p:ext>
             </p:extLst>
           </p:nvPr>
         </p:nvGraphicFramePr>
         <p:xfrm>
-          <a:off x="454816" y="1031200"/>
-          <a:ext cx="11483183" cy="5634204"/>
+          <a:off x="421864" y="1451247"/>
+          <a:ext cx="11483183" cy="4804969"/>
         </p:xfrm>
         <a:graphic>
           <a:graphicData uri="http://schemas.openxmlformats.org/drawingml/2006/table">
@@ -18690,21 +18478,21 @@
                 <a:gridCol w="8350512">
                   <a:extLst>
                     <a:ext uri="{9D8B030D-6E8A-4147-A177-3AD203B41FA5}">
-                      <a16:colId xmlns:a16="http://schemas.microsoft.com/office/drawing/2014/main" val="20000"/>
+                      <a16:colId xmlns:a16="http://schemas.microsoft.com/office/drawing/2014/main" xmlns="" val="20000"/>
                     </a:ext>
                   </a:extLst>
                 </a:gridCol>
                 <a:gridCol w="1662043">
                   <a:extLst>
                     <a:ext uri="{9D8B030D-6E8A-4147-A177-3AD203B41FA5}">
-                      <a16:colId xmlns:a16="http://schemas.microsoft.com/office/drawing/2014/main" val="20001"/>
+                      <a16:colId xmlns:a16="http://schemas.microsoft.com/office/drawing/2014/main" xmlns="" val="20001"/>
                     </a:ext>
                   </a:extLst>
                 </a:gridCol>
                 <a:gridCol w="1470628">
                   <a:extLst>
                     <a:ext uri="{9D8B030D-6E8A-4147-A177-3AD203B41FA5}">
-                      <a16:colId xmlns:a16="http://schemas.microsoft.com/office/drawing/2014/main" val="20002"/>
+                      <a16:colId xmlns:a16="http://schemas.microsoft.com/office/drawing/2014/main" xmlns="" val="20002"/>
                     </a:ext>
                   </a:extLst>
                 </a:gridCol>
@@ -18754,7 +18542,7 @@
                 </a:tc>
                 <a:extLst>
                   <a:ext uri="{0D108BD9-81ED-4DB2-BD59-A6C34878D82A}">
-                    <a16:rowId xmlns:a16="http://schemas.microsoft.com/office/drawing/2014/main" val="10000"/>
+                    <a16:rowId xmlns:a16="http://schemas.microsoft.com/office/drawing/2014/main" xmlns="" val="10000"/>
                   </a:ext>
                 </a:extLst>
               </a:tr>
@@ -18781,7 +18569,7 @@
                   </a:txBody>
                   <a:tcPr marL="45720" marR="45720">
                     <a:solidFill>
-                      <a:srgbClr val="E7E7E7"/>
+                      <a:srgbClr val="E7F2FC"/>
                     </a:solidFill>
                   </a:tcPr>
                 </a:tc>
@@ -18807,7 +18595,7 @@
                   </a:txBody>
                   <a:tcPr marL="45720" marR="45720">
                     <a:solidFill>
-                      <a:srgbClr val="E7E7E7"/>
+                      <a:srgbClr val="E7F2FC"/>
                     </a:solidFill>
                   </a:tcPr>
                 </a:tc>
@@ -18833,13 +18621,13 @@
                   </a:txBody>
                   <a:tcPr marL="45720" marR="45720">
                     <a:solidFill>
-                      <a:srgbClr val="E7E7E7"/>
+                      <a:srgbClr val="E7F2FC"/>
                     </a:solidFill>
                   </a:tcPr>
                 </a:tc>
                 <a:extLst>
                   <a:ext uri="{0D108BD9-81ED-4DB2-BD59-A6C34878D82A}">
-                    <a16:rowId xmlns:a16="http://schemas.microsoft.com/office/drawing/2014/main" val="10001"/>
+                    <a16:rowId xmlns:a16="http://schemas.microsoft.com/office/drawing/2014/main" xmlns="" val="10001"/>
                   </a:ext>
                 </a:extLst>
               </a:tr>
@@ -18899,7 +18687,7 @@
                             <a:srgbClr val="000000"/>
                           </a:solidFill>
                         </a:rPr>
-                        <a:t>10:00</a:t>
+                        <a:t>10:45</a:t>
                       </a:r>
                       <a:endParaRPr lang="en-US" sz="2000" dirty="0">
                         <a:solidFill>
@@ -18912,7 +18700,7 @@
                 </a:tc>
                 <a:extLst>
                   <a:ext uri="{0D108BD9-81ED-4DB2-BD59-A6C34878D82A}">
-                    <a16:rowId xmlns:a16="http://schemas.microsoft.com/office/drawing/2014/main" val="10002"/>
+                    <a16:rowId xmlns:a16="http://schemas.microsoft.com/office/drawing/2014/main" xmlns="" val="10002"/>
                   </a:ext>
                 </a:extLst>
               </a:tr>
@@ -18928,7 +18716,7 @@
                             <a:srgbClr val="000000"/>
                           </a:solidFill>
                         </a:rPr>
-                        <a:t>Building Web Applications using the latest ASP.NET technologies</a:t>
+                        <a:t>Break</a:t>
                       </a:r>
                       <a:endParaRPr lang="en-US" sz="2000" dirty="0">
                         <a:solidFill>
@@ -18937,11 +18725,7 @@
                       </a:endParaRPr>
                     </a:p>
                   </a:txBody>
-                  <a:tcPr marL="45720" marR="45720">
-                    <a:solidFill>
-                      <a:srgbClr val="FFC000"/>
-                    </a:solidFill>
-                  </a:tcPr>
+                  <a:tcPr marL="45720" marR="45720"/>
                 </a:tc>
                 <a:tc>
                   <a:txBody>
@@ -18954,7 +18738,58 @@
                             <a:srgbClr val="000000"/>
                           </a:solidFill>
                         </a:rPr>
-                        <a:t>10:00</a:t>
+                        <a:t>10:45</a:t>
+                      </a:r>
+                      <a:endParaRPr lang="en-US" sz="2000" dirty="0">
+                        <a:solidFill>
+                          <a:srgbClr val="000000"/>
+                        </a:solidFill>
+                      </a:endParaRPr>
+                    </a:p>
+                  </a:txBody>
+                  <a:tcPr marL="45720" marR="45720"/>
+                </a:tc>
+                <a:tc>
+                  <a:txBody>
+                    <a:bodyPr/>
+                    <a:lstStyle/>
+                    <a:p>
+                      <a:r>
+                        <a:rPr lang="en-US" sz="2000" dirty="0" smtClean="0">
+                          <a:solidFill>
+                            <a:srgbClr val="000000"/>
+                          </a:solidFill>
+                        </a:rPr>
+                        <a:t>11:00</a:t>
+                      </a:r>
+                      <a:endParaRPr lang="en-US" sz="2000" dirty="0">
+                        <a:solidFill>
+                          <a:srgbClr val="000000"/>
+                        </a:solidFill>
+                      </a:endParaRPr>
+                    </a:p>
+                  </a:txBody>
+                  <a:tcPr marL="45720" marR="45720"/>
+                </a:tc>
+                <a:extLst>
+                  <a:ext uri="{0D108BD9-81ED-4DB2-BD59-A6C34878D82A}">
+                    <a16:rowId xmlns:a16="http://schemas.microsoft.com/office/drawing/2014/main" xmlns="" val="10004"/>
+                  </a:ext>
+                </a:extLst>
+              </a:tr>
+              <a:tr h="421237">
+                <a:tc>
+                  <a:txBody>
+                    <a:bodyPr/>
+                    <a:lstStyle/>
+                    <a:p>
+                      <a:r>
+                        <a:rPr lang="en-US" sz="2000" dirty="0" smtClean="0">
+                          <a:solidFill>
+                            <a:srgbClr val="000000"/>
+                          </a:solidFill>
+                        </a:rPr>
+                        <a:t>Building Web Applications using the latest ASP.NET technologies</a:t>
                       </a:r>
                       <a:endParaRPr lang="en-US" sz="2000" dirty="0">
                         <a:solidFill>
@@ -18995,130 +18830,6 @@
                     </a:solidFill>
                   </a:tcPr>
                 </a:tc>
-                <a:extLst>
-                  <a:ext uri="{0D108BD9-81ED-4DB2-BD59-A6C34878D82A}">
-                    <a16:rowId xmlns:a16="http://schemas.microsoft.com/office/drawing/2014/main" val="10003"/>
-                  </a:ext>
-                </a:extLst>
-              </a:tr>
-              <a:tr h="409188">
-                <a:tc>
-                  <a:txBody>
-                    <a:bodyPr/>
-                    <a:lstStyle/>
-                    <a:p>
-                      <a:r>
-                        <a:rPr lang="en-US" sz="2000" dirty="0" smtClean="0">
-                          <a:solidFill>
-                            <a:srgbClr val="000000"/>
-                          </a:solidFill>
-                        </a:rPr>
-                        <a:t>Break</a:t>
-                      </a:r>
-                      <a:endParaRPr lang="en-US" sz="2000" dirty="0">
-                        <a:solidFill>
-                          <a:srgbClr val="000000"/>
-                        </a:solidFill>
-                      </a:endParaRPr>
-                    </a:p>
-                  </a:txBody>
-                  <a:tcPr marL="45720" marR="45720"/>
-                </a:tc>
-                <a:tc>
-                  <a:txBody>
-                    <a:bodyPr/>
-                    <a:lstStyle/>
-                    <a:p>
-                      <a:r>
-                        <a:rPr lang="en-US" sz="2000" dirty="0" smtClean="0">
-                          <a:solidFill>
-                            <a:srgbClr val="000000"/>
-                          </a:solidFill>
-                        </a:rPr>
-                        <a:t>11:00</a:t>
-                      </a:r>
-                      <a:endParaRPr lang="en-US" sz="2000" dirty="0">
-                        <a:solidFill>
-                          <a:srgbClr val="000000"/>
-                        </a:solidFill>
-                      </a:endParaRPr>
-                    </a:p>
-                  </a:txBody>
-                  <a:tcPr marL="45720" marR="45720"/>
-                </a:tc>
-                <a:tc>
-                  <a:txBody>
-                    <a:bodyPr/>
-                    <a:lstStyle/>
-                    <a:p>
-                      <a:r>
-                        <a:rPr lang="en-US" sz="2000" dirty="0" smtClean="0">
-                          <a:solidFill>
-                            <a:srgbClr val="000000"/>
-                          </a:solidFill>
-                        </a:rPr>
-                        <a:t>11:15</a:t>
-                      </a:r>
-                      <a:endParaRPr lang="en-US" sz="2000" dirty="0">
-                        <a:solidFill>
-                          <a:srgbClr val="000000"/>
-                        </a:solidFill>
-                      </a:endParaRPr>
-                    </a:p>
-                  </a:txBody>
-                  <a:tcPr marL="45720" marR="45720"/>
-                </a:tc>
-                <a:extLst>
-                  <a:ext uri="{0D108BD9-81ED-4DB2-BD59-A6C34878D82A}">
-                    <a16:rowId xmlns:a16="http://schemas.microsoft.com/office/drawing/2014/main" val="10004"/>
-                  </a:ext>
-                </a:extLst>
-              </a:tr>
-              <a:tr h="723948">
-                <a:tc>
-                  <a:txBody>
-                    <a:bodyPr/>
-                    <a:lstStyle/>
-                    <a:p>
-                      <a:r>
-                        <a:rPr lang="en-US" sz="2000" dirty="0" smtClean="0">
-                          <a:solidFill>
-                            <a:srgbClr val="000000"/>
-                          </a:solidFill>
-                        </a:rPr>
-                        <a:t>Building web front ends for both desktop and mobile using the latest web standards</a:t>
-                      </a:r>
-                      <a:endParaRPr lang="en-US" sz="2000" dirty="0">
-                        <a:solidFill>
-                          <a:srgbClr val="000000"/>
-                        </a:solidFill>
-                      </a:endParaRPr>
-                    </a:p>
-                  </a:txBody>
-                  <a:tcPr marL="45720" marR="45720"/>
-                </a:tc>
-                <a:tc>
-                  <a:txBody>
-                    <a:bodyPr/>
-                    <a:lstStyle/>
-                    <a:p>
-                      <a:r>
-                        <a:rPr lang="en-US" sz="2000" dirty="0" smtClean="0">
-                          <a:solidFill>
-                            <a:srgbClr val="000000"/>
-                          </a:solidFill>
-                        </a:rPr>
-                        <a:t>11:15</a:t>
-                      </a:r>
-                      <a:endParaRPr lang="en-US" sz="2000" dirty="0">
-                        <a:solidFill>
-                          <a:srgbClr val="000000"/>
-                        </a:solidFill>
-                      </a:endParaRPr>
-                    </a:p>
-                  </a:txBody>
-                  <a:tcPr marL="45720" marR="45720"/>
-                </a:tc>
                 <a:tc>
                   <a:txBody>
                     <a:bodyPr/>
@@ -19139,11 +18850,15 @@
                       </a:endParaRPr>
                     </a:p>
                   </a:txBody>
-                  <a:tcPr marL="45720" marR="45720"/>
+                  <a:tcPr marL="45720" marR="45720">
+                    <a:solidFill>
+                      <a:srgbClr val="FFC000"/>
+                    </a:solidFill>
+                  </a:tcPr>
                 </a:tc>
                 <a:extLst>
                   <a:ext uri="{0D108BD9-81ED-4DB2-BD59-A6C34878D82A}">
-                    <a16:rowId xmlns:a16="http://schemas.microsoft.com/office/drawing/2014/main" val="10005"/>
+                    <a16:rowId xmlns:a16="http://schemas.microsoft.com/office/drawing/2014/main" xmlns="" val="10005"/>
                   </a:ext>
                 </a:extLst>
               </a:tr>
@@ -19216,7 +18931,7 @@
                 </a:tc>
                 <a:extLst>
                   <a:ext uri="{0D108BD9-81ED-4DB2-BD59-A6C34878D82A}">
-                    <a16:rowId xmlns:a16="http://schemas.microsoft.com/office/drawing/2014/main" val="10006"/>
+                    <a16:rowId xmlns:a16="http://schemas.microsoft.com/office/drawing/2014/main" xmlns="" val="10006"/>
                   </a:ext>
                 </a:extLst>
               </a:tr>
@@ -19232,7 +18947,7 @@
                             <a:srgbClr val="000000"/>
                           </a:solidFill>
                         </a:rPr>
-                        <a:t>API Services for both web and devices</a:t>
+                        <a:t>Building web front ends for both desktop and mobile using the latest web standards</a:t>
                       </a:r>
                       <a:endParaRPr lang="en-US" sz="2000" dirty="0">
                         <a:solidFill>
@@ -19287,11 +19002,6 @@
                   </a:txBody>
                   <a:tcPr marL="45720" marR="45720"/>
                 </a:tc>
-                <a:extLst>
-                  <a:ext uri="{0D108BD9-81ED-4DB2-BD59-A6C34878D82A}">
-                    <a16:rowId xmlns:a16="http://schemas.microsoft.com/office/drawing/2014/main" val="10007"/>
-                  </a:ext>
-                </a:extLst>
               </a:tr>
               <a:tr h="409188">
                 <a:tc>
@@ -19305,7 +19015,7 @@
                             <a:srgbClr val="000000"/>
                           </a:solidFill>
                         </a:rPr>
-                        <a:t>Running, improving and maintaining a site in the real world</a:t>
+                        <a:t>API Services for both web and devices</a:t>
                       </a:r>
                       <a:endParaRPr lang="en-US" sz="2000" dirty="0">
                         <a:solidFill>
@@ -19362,7 +19072,7 @@
                 </a:tc>
                 <a:extLst>
                   <a:ext uri="{0D108BD9-81ED-4DB2-BD59-A6C34878D82A}">
-                    <a16:rowId xmlns:a16="http://schemas.microsoft.com/office/drawing/2014/main" val="10008"/>
+                    <a16:rowId xmlns:a16="http://schemas.microsoft.com/office/drawing/2014/main" xmlns="" val="10007"/>
                   </a:ext>
                 </a:extLst>
               </a:tr>
@@ -19435,7 +19145,7 @@
                 </a:tc>
                 <a:extLst>
                   <a:ext uri="{0D108BD9-81ED-4DB2-BD59-A6C34878D82A}">
-                    <a16:rowId xmlns:a16="http://schemas.microsoft.com/office/drawing/2014/main" val="10009"/>
+                    <a16:rowId xmlns:a16="http://schemas.microsoft.com/office/drawing/2014/main" xmlns="" val="10009"/>
                   </a:ext>
                 </a:extLst>
               </a:tr>
@@ -19451,24 +19161,13 @@
                             <a:srgbClr val="000000"/>
                           </a:solidFill>
                         </a:rPr>
-                        <a:t>Real-time Communications</a:t>
+                        <a:t>Running, improving and maintaining a site in the real world</a:t>
                       </a:r>
-                      <a:r>
-                        <a:rPr lang="en-US" sz="2000" baseline="0" dirty="0" smtClean="0">
-                          <a:solidFill>
-                            <a:srgbClr val="000000"/>
-                          </a:solidFill>
-                        </a:rPr>
-                        <a:t> with </a:t>
-                      </a:r>
-                      <a:r>
-                        <a:rPr lang="en-US" sz="2000" dirty="0" smtClean="0">
-                          <a:solidFill>
-                            <a:srgbClr val="000000"/>
-                          </a:solidFill>
-                        </a:rPr>
-                        <a:t>SignalR</a:t>
-                      </a:r>
+                      <a:endParaRPr lang="en-US" sz="2000" dirty="0">
+                        <a:solidFill>
+                          <a:srgbClr val="000000"/>
+                        </a:solidFill>
+                      </a:endParaRPr>
                     </a:p>
                   </a:txBody>
                   <a:tcPr marL="45720" marR="45720"/>
@@ -19506,7 +19205,7 @@
                             <a:srgbClr val="000000"/>
                           </a:solidFill>
                         </a:rPr>
-                        <a:t>4:00</a:t>
+                        <a:t>4:30</a:t>
                       </a:r>
                       <a:endParaRPr lang="en-US" sz="2000" dirty="0">
                         <a:solidFill>
@@ -19517,79 +19216,6 @@
                   </a:txBody>
                   <a:tcPr marL="45720" marR="45720"/>
                 </a:tc>
-                <a:extLst>
-                  <a:ext uri="{0D108BD9-81ED-4DB2-BD59-A6C34878D82A}">
-                    <a16:rowId xmlns:a16="http://schemas.microsoft.com/office/drawing/2014/main" val="10010"/>
-                  </a:ext>
-                </a:extLst>
-              </a:tr>
-              <a:tr h="409188">
-                <a:tc>
-                  <a:txBody>
-                    <a:bodyPr/>
-                    <a:lstStyle/>
-                    <a:p>
-                      <a:r>
-                        <a:rPr lang="en-US" sz="2000" dirty="0" smtClean="0">
-                          <a:solidFill>
-                            <a:srgbClr val="000000"/>
-                          </a:solidFill>
-                        </a:rPr>
-                        <a:t>ASP.NET 5 Preview</a:t>
-                      </a:r>
-                    </a:p>
-                  </a:txBody>
-                  <a:tcPr marL="45720" marR="45720"/>
-                </a:tc>
-                <a:tc>
-                  <a:txBody>
-                    <a:bodyPr/>
-                    <a:lstStyle/>
-                    <a:p>
-                      <a:r>
-                        <a:rPr lang="en-US" sz="2000" dirty="0" smtClean="0">
-                          <a:solidFill>
-                            <a:srgbClr val="000000"/>
-                          </a:solidFill>
-                        </a:rPr>
-                        <a:t>4:00</a:t>
-                      </a:r>
-                      <a:endParaRPr lang="en-US" sz="2000" dirty="0">
-                        <a:solidFill>
-                          <a:srgbClr val="000000"/>
-                        </a:solidFill>
-                      </a:endParaRPr>
-                    </a:p>
-                  </a:txBody>
-                  <a:tcPr marL="45720" marR="45720"/>
-                </a:tc>
-                <a:tc>
-                  <a:txBody>
-                    <a:bodyPr/>
-                    <a:lstStyle/>
-                    <a:p>
-                      <a:r>
-                        <a:rPr lang="en-US" sz="2000" dirty="0" smtClean="0">
-                          <a:solidFill>
-                            <a:srgbClr val="000000"/>
-                          </a:solidFill>
-                        </a:rPr>
-                        <a:t>4:45</a:t>
-                      </a:r>
-                      <a:endParaRPr lang="en-US" sz="2000" dirty="0">
-                        <a:solidFill>
-                          <a:srgbClr val="000000"/>
-                        </a:solidFill>
-                      </a:endParaRPr>
-                    </a:p>
-                  </a:txBody>
-                  <a:tcPr marL="45720" marR="45720"/>
-                </a:tc>
-                <a:extLst>
-                  <a:ext uri="{0D108BD9-81ED-4DB2-BD59-A6C34878D82A}">
-                    <a16:rowId xmlns:a16="http://schemas.microsoft.com/office/drawing/2014/main" val="4181698176"/>
-                  </a:ext>
-                </a:extLst>
               </a:tr>
               <a:tr h="409188">
                 <a:tc>
@@ -19633,7 +19259,7 @@
                             <a:srgbClr val="000000"/>
                           </a:solidFill>
                         </a:rPr>
-                        <a:t>4:45</a:t>
+                        <a:t>4:30</a:t>
                       </a:r>
                       <a:endParaRPr lang="en-US" sz="2000" dirty="0">
                         <a:solidFill>
@@ -19668,7 +19294,7 @@
                 </a:tc>
                 <a:extLst>
                   <a:ext uri="{0D108BD9-81ED-4DB2-BD59-A6C34878D82A}">
-                    <a16:rowId xmlns:a16="http://schemas.microsoft.com/office/drawing/2014/main" val="10011"/>
+                    <a16:rowId xmlns:a16="http://schemas.microsoft.com/office/drawing/2014/main" xmlns="" val="10011"/>
                   </a:ext>
                 </a:extLst>
               </a:tr>
@@ -19679,7 +19305,7 @@
     </p:spTree>
     <p:extLst>
       <p:ext uri="{BB962C8B-B14F-4D97-AF65-F5344CB8AC3E}">
-        <p14:creationId xmlns:p14="http://schemas.microsoft.com/office/powerpoint/2010/main" val="396892791"/>
+        <p14:creationId xmlns:p14="http://schemas.microsoft.com/office/powerpoint/2010/main" val="1220914180"/>
       </p:ext>
     </p:extLst>
   </p:cSld>
